--- a/wip/service_versionning/illus.pptx
+++ b/wip/service_versionning/illus.pptx
@@ -6,6 +6,7 @@
   </p:sldMasterIdLst>
   <p:sldIdLst>
     <p:sldId id="257" r:id="rId2"/>
+    <p:sldId id="258" r:id="rId3"/>
   </p:sldIdLst>
   <p:sldSz cx="9144000" cy="6858000" type="screen4x3"/>
   <p:notesSz cx="6858000" cy="9144000"/>
@@ -136,7 +137,7 @@
   </p:defaultTextStyle>
   <p:extLst>
     <p:ext uri="{EFAFB233-063F-42B5-8137-9DF3F51BA10A}">
-      <p15:sldGuideLst xmlns="" xmlns:p15="http://schemas.microsoft.com/office/powerpoint/2012/main">
+      <p15:sldGuideLst xmlns:p15="http://schemas.microsoft.com/office/powerpoint/2012/main" xmlns="">
         <p15:guide id="1" orient="horz" pos="2160">
           <p15:clr>
             <a:srgbClr val="A4A3A4"/>
@@ -25903,13 +25904,6 @@
               </a:rPr>
               <a:t>Beta</a:t>
             </a:r>
-            <a:endParaRPr lang="fr-FR" sz="1600" dirty="0" smtClean="0">
-              <a:solidFill>
-                <a:srgbClr val="4C4C4C"/>
-              </a:solidFill>
-              <a:latin typeface="+mj-lt"/>
-              <a:cs typeface="Helvetica"/>
-            </a:endParaRPr>
           </a:p>
         </p:txBody>
       </p:sp>
@@ -25957,13 +25951,6 @@
               </a:rPr>
               <a:t>Actuelle</a:t>
             </a:r>
-            <a:endParaRPr lang="fr-FR" sz="1600" dirty="0" smtClean="0">
-              <a:solidFill>
-                <a:srgbClr val="4C4C4C"/>
-              </a:solidFill>
-              <a:latin typeface="+mj-lt"/>
-              <a:cs typeface="Helvetica"/>
-            </a:endParaRPr>
           </a:p>
         </p:txBody>
       </p:sp>
@@ -26011,13 +25998,6 @@
               </a:rPr>
               <a:t>Maintenance</a:t>
             </a:r>
-            <a:endParaRPr lang="fr-FR" sz="1600" dirty="0" smtClean="0">
-              <a:solidFill>
-                <a:srgbClr val="4C4C4C"/>
-              </a:solidFill>
-              <a:latin typeface="+mj-lt"/>
-              <a:cs typeface="Helvetica"/>
-            </a:endParaRPr>
           </a:p>
         </p:txBody>
       </p:sp>
@@ -26094,13 +26074,6 @@
               </a:rPr>
               <a:t>Temps</a:t>
             </a:r>
-            <a:endParaRPr lang="fr-FR" sz="1600" dirty="0" smtClean="0">
-              <a:solidFill>
-                <a:srgbClr val="4C4C4C"/>
-              </a:solidFill>
-              <a:latin typeface="+mj-lt"/>
-              <a:cs typeface="Helvetica"/>
-            </a:endParaRPr>
           </a:p>
         </p:txBody>
       </p:sp>
@@ -26612,13 +26585,6 @@
                 </a:rPr>
                 <a:t>Version N-1</a:t>
               </a:r>
-              <a:endParaRPr lang="fr-FR" sz="1600" dirty="0" smtClean="0">
-                <a:solidFill>
-                  <a:srgbClr val="4C4C4C"/>
-                </a:solidFill>
-                <a:latin typeface="+mj-lt"/>
-                <a:cs typeface="Helvetica"/>
-              </a:endParaRPr>
             </a:p>
           </p:txBody>
         </p:sp>
@@ -27181,13 +27147,6 @@
                 </a:rPr>
                 <a:t>Version N</a:t>
               </a:r>
-              <a:endParaRPr lang="fr-FR" sz="1600" dirty="0" smtClean="0">
-                <a:solidFill>
-                  <a:srgbClr val="4C4C4C"/>
-                </a:solidFill>
-                <a:latin typeface="+mj-lt"/>
-                <a:cs typeface="Helvetica"/>
-              </a:endParaRPr>
             </a:p>
           </p:txBody>
         </p:sp>
@@ -27500,13 +27459,6 @@
                 </a:rPr>
                 <a:t>Version N+1</a:t>
               </a:r>
-              <a:endParaRPr lang="fr-FR" sz="1600" dirty="0" smtClean="0">
-                <a:solidFill>
-                  <a:srgbClr val="4C4C4C"/>
-                </a:solidFill>
-                <a:latin typeface="+mj-lt"/>
-                <a:cs typeface="Helvetica"/>
-              </a:endParaRPr>
             </a:p>
           </p:txBody>
         </p:sp>
@@ -27654,13 +27606,6 @@
               </a:rPr>
               <a:t>Migration normale</a:t>
             </a:r>
-            <a:endParaRPr lang="fr-FR" sz="1600" dirty="0" smtClean="0">
-              <a:solidFill>
-                <a:srgbClr val="4C4C4C"/>
-              </a:solidFill>
-              <a:latin typeface="+mj-lt"/>
-              <a:cs typeface="Helvetica"/>
-            </a:endParaRPr>
           </a:p>
         </p:txBody>
       </p:sp>
@@ -27767,13 +27712,6 @@
               </a:rPr>
               <a:t>(une version sur deux)</a:t>
             </a:r>
-            <a:endParaRPr lang="fr-FR" sz="1600" dirty="0" smtClean="0">
-              <a:solidFill>
-                <a:srgbClr val="4C4C4C"/>
-              </a:solidFill>
-              <a:latin typeface="+mj-lt"/>
-              <a:cs typeface="Helvetica"/>
-            </a:endParaRPr>
           </a:p>
         </p:txBody>
       </p:sp>
@@ -27781,6 +27719,1218 @@
     <p:extLst>
       <p:ext uri="{BB962C8B-B14F-4D97-AF65-F5344CB8AC3E}">
         <p14:creationId xmlns:p14="http://schemas.microsoft.com/office/powerpoint/2010/main" val="184591192"/>
+      </p:ext>
+    </p:extLst>
+  </p:cSld>
+  <p:clrMapOvr>
+    <a:masterClrMapping/>
+  </p:clrMapOvr>
+</p:sld>
+</file>
+
+<file path=ppt/slides/slide2.xml><?xml version="1.0" encoding="utf-8"?>
+<p:sld xmlns:a="http://schemas.openxmlformats.org/drawingml/2006/main" xmlns:r="http://schemas.openxmlformats.org/officeDocument/2006/relationships" xmlns:p="http://schemas.openxmlformats.org/presentationml/2006/main">
+  <p:cSld>
+    <p:spTree>
+      <p:nvGrpSpPr>
+        <p:cNvPr id="1" name=""/>
+        <p:cNvGrpSpPr/>
+        <p:nvPr/>
+      </p:nvGrpSpPr>
+      <p:grpSpPr>
+        <a:xfrm>
+          <a:off x="0" y="0"/>
+          <a:ext cx="0" cy="0"/>
+          <a:chOff x="0" y="0"/>
+          <a:chExt cx="0" cy="0"/>
+        </a:xfrm>
+      </p:grpSpPr>
+      <p:sp>
+        <p:nvSpPr>
+          <p:cNvPr id="53" name="Rectangle à coins arrondis 52"/>
+          <p:cNvSpPr/>
+          <p:nvPr/>
+        </p:nvSpPr>
+        <p:spPr>
+          <a:xfrm>
+            <a:off x="3292986" y="1478910"/>
+            <a:ext cx="2520000" cy="2520000"/>
+          </a:xfrm>
+          <a:prstGeom prst="roundRect">
+            <a:avLst>
+              <a:gd name="adj" fmla="val 4494"/>
+            </a:avLst>
+          </a:prstGeom>
+          <a:solidFill>
+            <a:schemeClr val="accent3">
+              <a:lumMod val="40000"/>
+              <a:lumOff val="60000"/>
+            </a:schemeClr>
+          </a:solidFill>
+          <a:ln w="38100" cmpd="sng">
+            <a:solidFill>
+              <a:schemeClr val="tx1"/>
+            </a:solidFill>
+          </a:ln>
+        </p:spPr>
+        <p:txBody>
+          <a:bodyPr rtlCol="0" anchor="t">
+            <a:noAutofit/>
+          </a:bodyPr>
+          <a:lstStyle/>
+          <a:p>
+            <a:pPr algn="r" eaLnBrk="1" hangingPunct="1">
+              <a:spcBef>
+                <a:spcPts val="384"/>
+              </a:spcBef>
+              <a:spcAft>
+                <a:spcPts val="0"/>
+              </a:spcAft>
+              <a:buClr>
+                <a:srgbClr val="00A9C5"/>
+              </a:buClr>
+              <a:buSzPct val="80000"/>
+            </a:pPr>
+            <a:r>
+              <a:rPr lang="fr-FR" sz="1600" kern="0" dirty="0" smtClean="0">
+                <a:latin typeface="+mn-lt"/>
+              </a:rPr>
+              <a:t>Zone 1</a:t>
+            </a:r>
+            <a:endParaRPr lang="fr-FR" sz="1600" kern="0" dirty="0" smtClean="0">
+              <a:latin typeface="+mn-lt"/>
+            </a:endParaRPr>
+          </a:p>
+        </p:txBody>
+      </p:sp>
+      <p:sp>
+        <p:nvSpPr>
+          <p:cNvPr id="50" name="Rectangle à coins arrondis 49"/>
+          <p:cNvSpPr/>
+          <p:nvPr/>
+        </p:nvSpPr>
+        <p:spPr>
+          <a:xfrm>
+            <a:off x="4420213" y="2288910"/>
+            <a:ext cx="900000" cy="828000"/>
+          </a:xfrm>
+          <a:prstGeom prst="roundRect">
+            <a:avLst>
+              <a:gd name="adj" fmla="val 5867"/>
+            </a:avLst>
+          </a:prstGeom>
+          <a:solidFill>
+            <a:schemeClr val="accent3">
+              <a:lumMod val="75000"/>
+            </a:schemeClr>
+          </a:solidFill>
+          <a:ln w="38100" cmpd="sng">
+            <a:solidFill>
+              <a:schemeClr val="tx1"/>
+            </a:solidFill>
+          </a:ln>
+        </p:spPr>
+        <p:txBody>
+          <a:bodyPr rtlCol="0" anchor="t">
+            <a:noAutofit/>
+          </a:bodyPr>
+          <a:lstStyle/>
+          <a:p>
+            <a:pPr algn="ctr" eaLnBrk="1" hangingPunct="1">
+              <a:spcBef>
+                <a:spcPts val="384"/>
+              </a:spcBef>
+              <a:spcAft>
+                <a:spcPts val="0"/>
+              </a:spcAft>
+              <a:buClr>
+                <a:srgbClr val="00A9C5"/>
+              </a:buClr>
+              <a:buSzPct val="80000"/>
+            </a:pPr>
+            <a:r>
+              <a:rPr lang="fr-FR" sz="1600" kern="0" dirty="0" smtClean="0">
+                <a:solidFill>
+                  <a:schemeClr val="bg1"/>
+                </a:solidFill>
+                <a:latin typeface="+mn-lt"/>
+              </a:rPr>
+              <a:t>App 1</a:t>
+            </a:r>
+            <a:endParaRPr lang="fr-FR" sz="1600" kern="0" dirty="0" smtClean="0">
+              <a:solidFill>
+                <a:schemeClr val="bg1"/>
+              </a:solidFill>
+              <a:latin typeface="+mn-lt"/>
+            </a:endParaRPr>
+          </a:p>
+        </p:txBody>
+      </p:sp>
+      <p:sp>
+        <p:nvSpPr>
+          <p:cNvPr id="54" name="Rectangle à coins arrondis 53"/>
+          <p:cNvSpPr/>
+          <p:nvPr/>
+        </p:nvSpPr>
+        <p:spPr>
+          <a:xfrm>
+            <a:off x="3439861" y="1600407"/>
+            <a:ext cx="900000" cy="828000"/>
+          </a:xfrm>
+          <a:prstGeom prst="roundRect">
+            <a:avLst>
+              <a:gd name="adj" fmla="val 5867"/>
+            </a:avLst>
+          </a:prstGeom>
+          <a:solidFill>
+            <a:schemeClr val="accent3">
+              <a:lumMod val="75000"/>
+            </a:schemeClr>
+          </a:solidFill>
+          <a:ln w="38100" cmpd="sng">
+            <a:solidFill>
+              <a:schemeClr val="tx1"/>
+            </a:solidFill>
+          </a:ln>
+        </p:spPr>
+        <p:txBody>
+          <a:bodyPr rtlCol="0" anchor="ctr">
+            <a:noAutofit/>
+          </a:bodyPr>
+          <a:lstStyle/>
+          <a:p>
+            <a:pPr algn="ctr" eaLnBrk="1" hangingPunct="1">
+              <a:spcBef>
+                <a:spcPts val="384"/>
+              </a:spcBef>
+              <a:spcAft>
+                <a:spcPts val="0"/>
+              </a:spcAft>
+              <a:buClr>
+                <a:srgbClr val="00A9C5"/>
+              </a:buClr>
+              <a:buSzPct val="80000"/>
+            </a:pPr>
+            <a:r>
+              <a:rPr lang="fr-FR" sz="1600" kern="0" dirty="0" smtClean="0">
+                <a:solidFill>
+                  <a:schemeClr val="bg1"/>
+                </a:solidFill>
+                <a:latin typeface="+mn-lt"/>
+              </a:rPr>
+              <a:t>App 2</a:t>
+            </a:r>
+            <a:endParaRPr lang="fr-FR" sz="1600" kern="0" dirty="0" smtClean="0">
+              <a:solidFill>
+                <a:schemeClr val="bg1"/>
+              </a:solidFill>
+              <a:latin typeface="+mn-lt"/>
+            </a:endParaRPr>
+          </a:p>
+        </p:txBody>
+      </p:sp>
+      <p:sp>
+        <p:nvSpPr>
+          <p:cNvPr id="55" name="Rectangle à coins arrondis 54"/>
+          <p:cNvSpPr/>
+          <p:nvPr/>
+        </p:nvSpPr>
+        <p:spPr>
+          <a:xfrm>
+            <a:off x="3439861" y="3024079"/>
+            <a:ext cx="900000" cy="828000"/>
+          </a:xfrm>
+          <a:prstGeom prst="roundRect">
+            <a:avLst>
+              <a:gd name="adj" fmla="val 5867"/>
+            </a:avLst>
+          </a:prstGeom>
+          <a:solidFill>
+            <a:schemeClr val="accent3">
+              <a:lumMod val="75000"/>
+            </a:schemeClr>
+          </a:solidFill>
+          <a:ln w="38100" cmpd="sng">
+            <a:solidFill>
+              <a:schemeClr val="tx1"/>
+            </a:solidFill>
+          </a:ln>
+        </p:spPr>
+        <p:txBody>
+          <a:bodyPr rtlCol="0" anchor="ctr">
+            <a:noAutofit/>
+          </a:bodyPr>
+          <a:lstStyle/>
+          <a:p>
+            <a:pPr algn="ctr" eaLnBrk="1" hangingPunct="1">
+              <a:spcBef>
+                <a:spcPts val="384"/>
+              </a:spcBef>
+              <a:spcAft>
+                <a:spcPts val="0"/>
+              </a:spcAft>
+              <a:buClr>
+                <a:srgbClr val="00A9C5"/>
+              </a:buClr>
+              <a:buSzPct val="80000"/>
+            </a:pPr>
+            <a:r>
+              <a:rPr lang="fr-FR" sz="1600" kern="0" dirty="0" smtClean="0">
+                <a:solidFill>
+                  <a:schemeClr val="bg1"/>
+                </a:solidFill>
+                <a:latin typeface="+mn-lt"/>
+              </a:rPr>
+              <a:t>App 3</a:t>
+            </a:r>
+            <a:endParaRPr lang="fr-FR" sz="1600" kern="0" dirty="0" smtClean="0">
+              <a:solidFill>
+                <a:schemeClr val="bg1"/>
+              </a:solidFill>
+              <a:latin typeface="+mn-lt"/>
+            </a:endParaRPr>
+          </a:p>
+        </p:txBody>
+      </p:sp>
+      <p:sp>
+        <p:nvSpPr>
+          <p:cNvPr id="56" name="Rectangle à coins arrondis 55"/>
+          <p:cNvSpPr/>
+          <p:nvPr/>
+        </p:nvSpPr>
+        <p:spPr>
+          <a:xfrm>
+            <a:off x="6205115" y="1478910"/>
+            <a:ext cx="2520000" cy="2520000"/>
+          </a:xfrm>
+          <a:prstGeom prst="roundRect">
+            <a:avLst>
+              <a:gd name="adj" fmla="val 4494"/>
+            </a:avLst>
+          </a:prstGeom>
+          <a:solidFill>
+            <a:schemeClr val="accent1">
+              <a:lumMod val="40000"/>
+              <a:lumOff val="60000"/>
+            </a:schemeClr>
+          </a:solidFill>
+          <a:ln w="38100" cmpd="sng">
+            <a:solidFill>
+              <a:schemeClr val="tx1"/>
+            </a:solidFill>
+          </a:ln>
+        </p:spPr>
+        <p:txBody>
+          <a:bodyPr rtlCol="0" anchor="t">
+            <a:noAutofit/>
+          </a:bodyPr>
+          <a:lstStyle/>
+          <a:p>
+            <a:pPr algn="ctr" eaLnBrk="1" hangingPunct="1">
+              <a:spcBef>
+                <a:spcPts val="384"/>
+              </a:spcBef>
+              <a:spcAft>
+                <a:spcPts val="0"/>
+              </a:spcAft>
+              <a:buClr>
+                <a:srgbClr val="00A9C5"/>
+              </a:buClr>
+              <a:buSzPct val="80000"/>
+            </a:pPr>
+            <a:r>
+              <a:rPr lang="fr-FR" sz="1600" kern="0" dirty="0" smtClean="0">
+                <a:latin typeface="+mn-lt"/>
+              </a:rPr>
+              <a:t>Zone 2</a:t>
+            </a:r>
+            <a:endParaRPr lang="fr-FR" sz="1600" kern="0" dirty="0" smtClean="0">
+              <a:latin typeface="+mn-lt"/>
+            </a:endParaRPr>
+          </a:p>
+        </p:txBody>
+      </p:sp>
+      <p:sp>
+        <p:nvSpPr>
+          <p:cNvPr id="59" name="Rectangle à coins arrondis 58"/>
+          <p:cNvSpPr/>
+          <p:nvPr/>
+        </p:nvSpPr>
+        <p:spPr>
+          <a:xfrm>
+            <a:off x="7015115" y="2288910"/>
+            <a:ext cx="900000" cy="828000"/>
+          </a:xfrm>
+          <a:prstGeom prst="roundRect">
+            <a:avLst>
+              <a:gd name="adj" fmla="val 5867"/>
+            </a:avLst>
+          </a:prstGeom>
+          <a:solidFill>
+            <a:schemeClr val="accent1">
+              <a:lumMod val="75000"/>
+            </a:schemeClr>
+          </a:solidFill>
+          <a:ln w="38100" cmpd="sng">
+            <a:solidFill>
+              <a:schemeClr val="tx1"/>
+            </a:solidFill>
+          </a:ln>
+        </p:spPr>
+        <p:txBody>
+          <a:bodyPr rtlCol="0" anchor="ctr">
+            <a:noAutofit/>
+          </a:bodyPr>
+          <a:lstStyle/>
+          <a:p>
+            <a:pPr algn="ctr" eaLnBrk="1" hangingPunct="1">
+              <a:spcBef>
+                <a:spcPts val="384"/>
+              </a:spcBef>
+              <a:spcAft>
+                <a:spcPts val="0"/>
+              </a:spcAft>
+              <a:buClr>
+                <a:srgbClr val="00A9C5"/>
+              </a:buClr>
+              <a:buSzPct val="80000"/>
+            </a:pPr>
+            <a:r>
+              <a:rPr lang="fr-FR" sz="1600" kern="0" dirty="0" smtClean="0">
+                <a:solidFill>
+                  <a:schemeClr val="bg1"/>
+                </a:solidFill>
+                <a:latin typeface="+mn-lt"/>
+              </a:rPr>
+              <a:t>App 4</a:t>
+            </a:r>
+            <a:endParaRPr lang="fr-FR" sz="1600" kern="0" dirty="0" smtClean="0">
+              <a:solidFill>
+                <a:schemeClr val="bg1"/>
+              </a:solidFill>
+              <a:latin typeface="+mn-lt"/>
+            </a:endParaRPr>
+          </a:p>
+        </p:txBody>
+      </p:sp>
+      <p:sp>
+        <p:nvSpPr>
+          <p:cNvPr id="60" name="Rectangle à coins arrondis 59"/>
+          <p:cNvSpPr/>
+          <p:nvPr/>
+        </p:nvSpPr>
+        <p:spPr>
+          <a:xfrm>
+            <a:off x="380857" y="1478910"/>
+            <a:ext cx="2520000" cy="2520000"/>
+          </a:xfrm>
+          <a:prstGeom prst="roundRect">
+            <a:avLst>
+              <a:gd name="adj" fmla="val 4494"/>
+            </a:avLst>
+          </a:prstGeom>
+          <a:solidFill>
+            <a:schemeClr val="accent6">
+              <a:lumMod val="40000"/>
+              <a:lumOff val="60000"/>
+            </a:schemeClr>
+          </a:solidFill>
+          <a:ln w="38100" cmpd="sng">
+            <a:solidFill>
+              <a:schemeClr val="tx1"/>
+            </a:solidFill>
+          </a:ln>
+        </p:spPr>
+        <p:txBody>
+          <a:bodyPr rtlCol="0" anchor="t">
+            <a:noAutofit/>
+          </a:bodyPr>
+          <a:lstStyle/>
+          <a:p>
+            <a:pPr algn="ctr" eaLnBrk="1" hangingPunct="1">
+              <a:spcBef>
+                <a:spcPts val="384"/>
+              </a:spcBef>
+              <a:spcAft>
+                <a:spcPts val="0"/>
+              </a:spcAft>
+              <a:buClr>
+                <a:srgbClr val="00A9C5"/>
+              </a:buClr>
+              <a:buSzPct val="80000"/>
+            </a:pPr>
+            <a:r>
+              <a:rPr lang="fr-FR" sz="1600" kern="0" dirty="0" smtClean="0">
+                <a:latin typeface="+mn-lt"/>
+              </a:rPr>
+              <a:t>Zone 3</a:t>
+            </a:r>
+            <a:endParaRPr lang="fr-FR" sz="1600" kern="0" dirty="0" smtClean="0">
+              <a:latin typeface="+mn-lt"/>
+            </a:endParaRPr>
+          </a:p>
+        </p:txBody>
+      </p:sp>
+      <p:sp>
+        <p:nvSpPr>
+          <p:cNvPr id="61" name="Rectangle à coins arrondis 60"/>
+          <p:cNvSpPr/>
+          <p:nvPr/>
+        </p:nvSpPr>
+        <p:spPr>
+          <a:xfrm>
+            <a:off x="1190857" y="1838910"/>
+            <a:ext cx="900000" cy="828000"/>
+          </a:xfrm>
+          <a:prstGeom prst="roundRect">
+            <a:avLst>
+              <a:gd name="adj" fmla="val 5867"/>
+            </a:avLst>
+          </a:prstGeom>
+          <a:solidFill>
+            <a:schemeClr val="accent6">
+              <a:lumMod val="75000"/>
+            </a:schemeClr>
+          </a:solidFill>
+          <a:ln w="38100" cmpd="sng">
+            <a:solidFill>
+              <a:schemeClr val="tx1"/>
+            </a:solidFill>
+          </a:ln>
+        </p:spPr>
+        <p:txBody>
+          <a:bodyPr rtlCol="0" anchor="ctr">
+            <a:noAutofit/>
+          </a:bodyPr>
+          <a:lstStyle/>
+          <a:p>
+            <a:pPr algn="ctr" eaLnBrk="1" hangingPunct="1">
+              <a:spcBef>
+                <a:spcPts val="384"/>
+              </a:spcBef>
+              <a:spcAft>
+                <a:spcPts val="0"/>
+              </a:spcAft>
+              <a:buClr>
+                <a:srgbClr val="00A9C5"/>
+              </a:buClr>
+              <a:buSzPct val="80000"/>
+            </a:pPr>
+            <a:r>
+              <a:rPr lang="fr-FR" sz="1600" kern="0" dirty="0" smtClean="0">
+                <a:solidFill>
+                  <a:schemeClr val="bg1"/>
+                </a:solidFill>
+                <a:latin typeface="+mn-lt"/>
+              </a:rPr>
+              <a:t>App 5</a:t>
+            </a:r>
+            <a:endParaRPr lang="fr-FR" sz="1600" kern="0" dirty="0" smtClean="0">
+              <a:solidFill>
+                <a:schemeClr val="bg1"/>
+              </a:solidFill>
+              <a:latin typeface="+mn-lt"/>
+            </a:endParaRPr>
+          </a:p>
+        </p:txBody>
+      </p:sp>
+      <p:sp>
+        <p:nvSpPr>
+          <p:cNvPr id="62" name="Rectangle à coins arrondis 61"/>
+          <p:cNvSpPr/>
+          <p:nvPr/>
+        </p:nvSpPr>
+        <p:spPr>
+          <a:xfrm>
+            <a:off x="519752" y="2891310"/>
+            <a:ext cx="900000" cy="828000"/>
+          </a:xfrm>
+          <a:prstGeom prst="roundRect">
+            <a:avLst>
+              <a:gd name="adj" fmla="val 5867"/>
+            </a:avLst>
+          </a:prstGeom>
+          <a:solidFill>
+            <a:schemeClr val="accent6">
+              <a:lumMod val="75000"/>
+            </a:schemeClr>
+          </a:solidFill>
+          <a:ln w="38100" cmpd="sng">
+            <a:solidFill>
+              <a:schemeClr val="tx1"/>
+            </a:solidFill>
+          </a:ln>
+        </p:spPr>
+        <p:txBody>
+          <a:bodyPr rtlCol="0" anchor="ctr">
+            <a:noAutofit/>
+          </a:bodyPr>
+          <a:lstStyle/>
+          <a:p>
+            <a:pPr algn="ctr" eaLnBrk="1" hangingPunct="1">
+              <a:spcBef>
+                <a:spcPts val="384"/>
+              </a:spcBef>
+              <a:spcAft>
+                <a:spcPts val="0"/>
+              </a:spcAft>
+              <a:buClr>
+                <a:srgbClr val="00A9C5"/>
+              </a:buClr>
+              <a:buSzPct val="80000"/>
+            </a:pPr>
+            <a:r>
+              <a:rPr lang="fr-FR" sz="1600" kern="0" dirty="0" smtClean="0">
+                <a:solidFill>
+                  <a:schemeClr val="bg1"/>
+                </a:solidFill>
+                <a:latin typeface="+mn-lt"/>
+              </a:rPr>
+              <a:t>App 6</a:t>
+            </a:r>
+            <a:endParaRPr lang="fr-FR" sz="1600" kern="0" dirty="0" smtClean="0">
+              <a:solidFill>
+                <a:schemeClr val="bg1"/>
+              </a:solidFill>
+              <a:latin typeface="+mn-lt"/>
+            </a:endParaRPr>
+          </a:p>
+        </p:txBody>
+      </p:sp>
+      <p:sp>
+        <p:nvSpPr>
+          <p:cNvPr id="5" name="Triangle isocèle 4"/>
+          <p:cNvSpPr/>
+          <p:nvPr/>
+        </p:nvSpPr>
+        <p:spPr>
+          <a:xfrm>
+            <a:off x="4705999" y="2702910"/>
+            <a:ext cx="328429" cy="285169"/>
+          </a:xfrm>
+          <a:prstGeom prst="triangle">
+            <a:avLst/>
+          </a:prstGeom>
+          <a:solidFill>
+            <a:schemeClr val="accent3">
+              <a:lumMod val="50000"/>
+            </a:schemeClr>
+          </a:solidFill>
+        </p:spPr>
+        <p:txBody>
+          <a:bodyPr rtlCol="0" anchor="ctr">
+            <a:noAutofit/>
+          </a:bodyPr>
+          <a:lstStyle/>
+          <a:p>
+            <a:pPr algn="ctr" eaLnBrk="1" hangingPunct="1">
+              <a:spcBef>
+                <a:spcPts val="384"/>
+              </a:spcBef>
+              <a:spcAft>
+                <a:spcPts val="0"/>
+              </a:spcAft>
+              <a:buClr>
+                <a:srgbClr val="00A9C5"/>
+              </a:buClr>
+              <a:buSzPct val="80000"/>
+            </a:pPr>
+            <a:endParaRPr lang="fr-FR" sz="1600" kern="0" dirty="0" smtClean="0">
+              <a:solidFill>
+                <a:schemeClr val="bg1"/>
+              </a:solidFill>
+              <a:latin typeface="+mj-lt"/>
+            </a:endParaRPr>
+          </a:p>
+        </p:txBody>
+      </p:sp>
+      <p:cxnSp>
+        <p:nvCxnSpPr>
+          <p:cNvPr id="16" name="Connecteur droit avec flèche 15"/>
+          <p:cNvCxnSpPr>
+            <a:stCxn id="54" idx="3"/>
+            <a:endCxn id="50" idx="0"/>
+          </p:cNvCxnSpPr>
+          <p:nvPr/>
+        </p:nvCxnSpPr>
+        <p:spPr bwMode="auto">
+          <a:xfrm>
+            <a:off x="4339861" y="2014407"/>
+            <a:ext cx="530352" cy="274503"/>
+          </a:xfrm>
+          <a:prstGeom prst="straightConnector1">
+            <a:avLst/>
+          </a:prstGeom>
+          <a:solidFill>
+            <a:schemeClr val="accent1"/>
+          </a:solidFill>
+          <a:ln w="38100" cap="flat" cmpd="sng" algn="ctr">
+            <a:solidFill>
+              <a:srgbClr val="FF0000"/>
+            </a:solidFill>
+            <a:prstDash val="solid"/>
+            <a:round/>
+            <a:headEnd type="none" w="med" len="med"/>
+            <a:tailEnd type="arrow"/>
+          </a:ln>
+          <a:effectLst/>
+        </p:spPr>
+      </p:cxnSp>
+      <p:cxnSp>
+        <p:nvCxnSpPr>
+          <p:cNvPr id="72" name="Connecteur droit avec flèche 71"/>
+          <p:cNvCxnSpPr>
+            <a:stCxn id="55" idx="3"/>
+            <a:endCxn id="50" idx="2"/>
+          </p:cNvCxnSpPr>
+          <p:nvPr/>
+        </p:nvCxnSpPr>
+        <p:spPr bwMode="auto">
+          <a:xfrm flipV="1">
+            <a:off x="4339861" y="3116910"/>
+            <a:ext cx="530352" cy="321169"/>
+          </a:xfrm>
+          <a:prstGeom prst="straightConnector1">
+            <a:avLst/>
+          </a:prstGeom>
+          <a:solidFill>
+            <a:schemeClr val="accent1"/>
+          </a:solidFill>
+          <a:ln w="38100" cap="flat" cmpd="sng" algn="ctr">
+            <a:solidFill>
+              <a:srgbClr val="FF0000"/>
+            </a:solidFill>
+            <a:prstDash val="solid"/>
+            <a:round/>
+            <a:headEnd type="none" w="med" len="med"/>
+            <a:tailEnd type="arrow"/>
+          </a:ln>
+          <a:effectLst/>
+        </p:spPr>
+      </p:cxnSp>
+      <p:cxnSp>
+        <p:nvCxnSpPr>
+          <p:cNvPr id="75" name="Connecteur droit avec flèche 74"/>
+          <p:cNvCxnSpPr>
+            <a:stCxn id="59" idx="1"/>
+            <a:endCxn id="50" idx="3"/>
+          </p:cNvCxnSpPr>
+          <p:nvPr/>
+        </p:nvCxnSpPr>
+        <p:spPr bwMode="auto">
+          <a:xfrm flipH="1">
+            <a:off x="5320213" y="2702910"/>
+            <a:ext cx="1694902" cy="0"/>
+          </a:xfrm>
+          <a:prstGeom prst="straightConnector1">
+            <a:avLst/>
+          </a:prstGeom>
+          <a:solidFill>
+            <a:schemeClr val="accent1"/>
+          </a:solidFill>
+          <a:ln w="38100" cap="flat" cmpd="sng" algn="ctr">
+            <a:solidFill>
+              <a:srgbClr val="660066"/>
+            </a:solidFill>
+            <a:prstDash val="solid"/>
+            <a:round/>
+            <a:headEnd type="none" w="med" len="med"/>
+            <a:tailEnd type="arrow"/>
+          </a:ln>
+          <a:effectLst/>
+        </p:spPr>
+      </p:cxnSp>
+      <p:cxnSp>
+        <p:nvCxnSpPr>
+          <p:cNvPr id="76" name="Connecteur droit avec flèche 75"/>
+          <p:cNvCxnSpPr>
+            <a:stCxn id="61" idx="3"/>
+            <a:endCxn id="50" idx="1"/>
+          </p:cNvCxnSpPr>
+          <p:nvPr/>
+        </p:nvCxnSpPr>
+        <p:spPr bwMode="auto">
+          <a:xfrm>
+            <a:off x="2090857" y="2252910"/>
+            <a:ext cx="2329356" cy="450000"/>
+          </a:xfrm>
+          <a:prstGeom prst="straightConnector1">
+            <a:avLst/>
+          </a:prstGeom>
+          <a:solidFill>
+            <a:schemeClr val="accent1"/>
+          </a:solidFill>
+          <a:ln w="38100" cap="flat" cmpd="sng" algn="ctr">
+            <a:solidFill>
+              <a:srgbClr val="660066"/>
+            </a:solidFill>
+            <a:prstDash val="solid"/>
+            <a:round/>
+            <a:headEnd type="none" w="med" len="med"/>
+            <a:tailEnd type="arrow"/>
+          </a:ln>
+          <a:effectLst/>
+        </p:spPr>
+      </p:cxnSp>
+      <p:grpSp>
+        <p:nvGrpSpPr>
+          <p:cNvPr id="91" name="Grouper 90"/>
+          <p:cNvGrpSpPr/>
+          <p:nvPr/>
+        </p:nvGrpSpPr>
+        <p:grpSpPr>
+          <a:xfrm>
+            <a:off x="728231" y="4315781"/>
+            <a:ext cx="7687538" cy="359997"/>
+            <a:chOff x="413701" y="4315781"/>
+            <a:chExt cx="7687538" cy="359997"/>
+          </a:xfrm>
+        </p:grpSpPr>
+        <p:grpSp>
+          <p:nvGrpSpPr>
+            <p:cNvPr id="87" name="Grouper 86"/>
+            <p:cNvGrpSpPr/>
+            <p:nvPr/>
+          </p:nvGrpSpPr>
+          <p:grpSpPr>
+            <a:xfrm>
+              <a:off x="413701" y="4315781"/>
+              <a:ext cx="1919913" cy="359997"/>
+              <a:chOff x="413701" y="4315781"/>
+              <a:chExt cx="1919913" cy="359997"/>
+            </a:xfrm>
+          </p:grpSpPr>
+          <p:sp>
+            <p:nvSpPr>
+              <p:cNvPr id="63" name="Triangle isocèle 62"/>
+              <p:cNvSpPr/>
+              <p:nvPr/>
+            </p:nvSpPr>
+            <p:spPr>
+              <a:xfrm>
+                <a:off x="413701" y="4353195"/>
+                <a:ext cx="328429" cy="285169"/>
+              </a:xfrm>
+              <a:prstGeom prst="triangle">
+                <a:avLst/>
+              </a:prstGeom>
+              <a:solidFill>
+                <a:srgbClr val="385D26"/>
+              </a:solidFill>
+            </p:spPr>
+            <p:txBody>
+              <a:bodyPr rtlCol="0" anchor="ctr">
+                <a:noAutofit/>
+              </a:bodyPr>
+              <a:lstStyle/>
+              <a:p>
+                <a:pPr algn="ctr" eaLnBrk="1" hangingPunct="1">
+                  <a:spcBef>
+                    <a:spcPts val="384"/>
+                  </a:spcBef>
+                  <a:spcAft>
+                    <a:spcPts val="0"/>
+                  </a:spcAft>
+                  <a:buClr>
+                    <a:srgbClr val="00A9C5"/>
+                  </a:buClr>
+                  <a:buSzPct val="80000"/>
+                </a:pPr>
+                <a:endParaRPr lang="fr-FR" sz="1600" kern="0" dirty="0" smtClean="0">
+                  <a:solidFill>
+                    <a:schemeClr val="bg1"/>
+                  </a:solidFill>
+                  <a:latin typeface="+mj-lt"/>
+                </a:endParaRPr>
+              </a:p>
+            </p:txBody>
+          </p:sp>
+          <p:sp>
+            <p:nvSpPr>
+              <p:cNvPr id="64" name="ZoneTexte 63"/>
+              <p:cNvSpPr txBox="1"/>
+              <p:nvPr/>
+            </p:nvSpPr>
+            <p:spPr>
+              <a:xfrm>
+                <a:off x="749615" y="4315781"/>
+                <a:ext cx="1583999" cy="359997"/>
+              </a:xfrm>
+              <a:prstGeom prst="rect">
+                <a:avLst/>
+              </a:prstGeom>
+              <a:noFill/>
+            </p:spPr>
+            <p:txBody>
+              <a:bodyPr wrap="square" rtlCol="0" anchor="ctr">
+                <a:noAutofit/>
+              </a:bodyPr>
+              <a:lstStyle/>
+              <a:p>
+                <a:pPr eaLnBrk="1" hangingPunct="1">
+                  <a:spcBef>
+                    <a:spcPts val="384"/>
+                  </a:spcBef>
+                  <a:spcAft>
+                    <a:spcPts val="0"/>
+                  </a:spcAft>
+                  <a:buClr>
+                    <a:srgbClr val="00A9C5"/>
+                  </a:buClr>
+                  <a:buSzPct val="80000"/>
+                </a:pPr>
+                <a:r>
+                  <a:rPr lang="fr-FR" sz="1600" dirty="0" smtClean="0">
+                    <a:solidFill>
+                      <a:srgbClr val="4C4C4C"/>
+                    </a:solidFill>
+                    <a:latin typeface="+mj-lt"/>
+                    <a:cs typeface="Helvetica"/>
+                  </a:rPr>
+                  <a:t>Implémentation</a:t>
+                </a:r>
+                <a:endParaRPr lang="fr-FR" sz="1600" dirty="0" smtClean="0">
+                  <a:solidFill>
+                    <a:srgbClr val="4C4C4C"/>
+                  </a:solidFill>
+                  <a:latin typeface="+mj-lt"/>
+                  <a:cs typeface="Helvetica"/>
+                </a:endParaRPr>
+              </a:p>
+            </p:txBody>
+          </p:sp>
+        </p:grpSp>
+        <p:grpSp>
+          <p:nvGrpSpPr>
+            <p:cNvPr id="88" name="Grouper 87"/>
+            <p:cNvGrpSpPr/>
+            <p:nvPr/>
+          </p:nvGrpSpPr>
+          <p:grpSpPr>
+            <a:xfrm>
+              <a:off x="2690025" y="4315781"/>
+              <a:ext cx="1712238" cy="359997"/>
+              <a:chOff x="2769481" y="4315781"/>
+              <a:chExt cx="1712238" cy="359997"/>
+            </a:xfrm>
+          </p:grpSpPr>
+          <p:cxnSp>
+            <p:nvCxnSpPr>
+              <p:cNvPr id="73" name="Connecteur droit avec flèche 72"/>
+              <p:cNvCxnSpPr/>
+              <p:nvPr/>
+            </p:nvCxnSpPr>
+            <p:spPr bwMode="auto">
+              <a:xfrm flipV="1">
+                <a:off x="2769481" y="4495779"/>
+                <a:ext cx="360000" cy="1"/>
+              </a:xfrm>
+              <a:prstGeom prst="straightConnector1">
+                <a:avLst/>
+              </a:prstGeom>
+              <a:solidFill>
+                <a:schemeClr val="accent1"/>
+              </a:solidFill>
+              <a:ln w="38100" cap="flat" cmpd="sng" algn="ctr">
+                <a:solidFill>
+                  <a:srgbClr val="FF0000"/>
+                </a:solidFill>
+                <a:prstDash val="solid"/>
+                <a:round/>
+                <a:headEnd type="none" w="med" len="med"/>
+                <a:tailEnd type="arrow"/>
+              </a:ln>
+              <a:effectLst/>
+            </p:spPr>
+          </p:cxnSp>
+          <p:sp>
+            <p:nvSpPr>
+              <p:cNvPr id="74" name="ZoneTexte 73"/>
+              <p:cNvSpPr txBox="1"/>
+              <p:nvPr/>
+            </p:nvSpPr>
+            <p:spPr>
+              <a:xfrm>
+                <a:off x="3113719" y="4315781"/>
+                <a:ext cx="1368000" cy="359997"/>
+              </a:xfrm>
+              <a:prstGeom prst="rect">
+                <a:avLst/>
+              </a:prstGeom>
+              <a:noFill/>
+            </p:spPr>
+            <p:txBody>
+              <a:bodyPr wrap="square" rtlCol="0" anchor="ctr">
+                <a:noAutofit/>
+              </a:bodyPr>
+              <a:lstStyle/>
+              <a:p>
+                <a:pPr eaLnBrk="1" hangingPunct="1">
+                  <a:spcBef>
+                    <a:spcPts val="384"/>
+                  </a:spcBef>
+                  <a:spcAft>
+                    <a:spcPts val="0"/>
+                  </a:spcAft>
+                  <a:buClr>
+                    <a:srgbClr val="00A9C5"/>
+                  </a:buClr>
+                  <a:buSzPct val="80000"/>
+                </a:pPr>
+                <a:r>
+                  <a:rPr lang="fr-FR" sz="1600" dirty="0" smtClean="0">
+                    <a:solidFill>
+                      <a:srgbClr val="4C4C4C"/>
+                    </a:solidFill>
+                    <a:latin typeface="+mj-lt"/>
+                    <a:cs typeface="Helvetica"/>
+                  </a:rPr>
+                  <a:t>API interne</a:t>
+                </a:r>
+                <a:endParaRPr lang="fr-FR" sz="1600" dirty="0" smtClean="0">
+                  <a:solidFill>
+                    <a:srgbClr val="4C4C4C"/>
+                  </a:solidFill>
+                  <a:latin typeface="+mj-lt"/>
+                  <a:cs typeface="Helvetica"/>
+                </a:endParaRPr>
+              </a:p>
+            </p:txBody>
+          </p:sp>
+        </p:grpSp>
+        <p:grpSp>
+          <p:nvGrpSpPr>
+            <p:cNvPr id="89" name="Grouper 88"/>
+            <p:cNvGrpSpPr/>
+            <p:nvPr/>
+          </p:nvGrpSpPr>
+          <p:grpSpPr>
+            <a:xfrm>
+              <a:off x="4758674" y="4315781"/>
+              <a:ext cx="1614990" cy="359997"/>
+              <a:chOff x="4776698" y="4315781"/>
+              <a:chExt cx="1614990" cy="359997"/>
+            </a:xfrm>
+          </p:grpSpPr>
+          <p:cxnSp>
+            <p:nvCxnSpPr>
+              <p:cNvPr id="78" name="Connecteur droit avec flèche 77"/>
+              <p:cNvCxnSpPr/>
+              <p:nvPr/>
+            </p:nvCxnSpPr>
+            <p:spPr bwMode="auto">
+              <a:xfrm flipV="1">
+                <a:off x="4776698" y="4495779"/>
+                <a:ext cx="360000" cy="1"/>
+              </a:xfrm>
+              <a:prstGeom prst="straightConnector1">
+                <a:avLst/>
+              </a:prstGeom>
+              <a:solidFill>
+                <a:schemeClr val="accent1"/>
+              </a:solidFill>
+              <a:ln w="38100" cap="flat" cmpd="sng" algn="ctr">
+                <a:solidFill>
+                  <a:srgbClr val="660066"/>
+                </a:solidFill>
+                <a:prstDash val="solid"/>
+                <a:round/>
+                <a:headEnd type="none" w="med" len="med"/>
+                <a:tailEnd type="arrow"/>
+              </a:ln>
+              <a:effectLst/>
+            </p:spPr>
+          </p:cxnSp>
+          <p:sp>
+            <p:nvSpPr>
+              <p:cNvPr id="79" name="ZoneTexte 78"/>
+              <p:cNvSpPr txBox="1"/>
+              <p:nvPr/>
+            </p:nvSpPr>
+            <p:spPr>
+              <a:xfrm>
+                <a:off x="5131688" y="4315781"/>
+                <a:ext cx="1260000" cy="359997"/>
+              </a:xfrm>
+              <a:prstGeom prst="rect">
+                <a:avLst/>
+              </a:prstGeom>
+              <a:noFill/>
+            </p:spPr>
+            <p:txBody>
+              <a:bodyPr wrap="square" rtlCol="0" anchor="ctr">
+                <a:noAutofit/>
+              </a:bodyPr>
+              <a:lstStyle/>
+              <a:p>
+                <a:pPr eaLnBrk="1" hangingPunct="1">
+                  <a:spcBef>
+                    <a:spcPts val="384"/>
+                  </a:spcBef>
+                  <a:spcAft>
+                    <a:spcPts val="0"/>
+                  </a:spcAft>
+                  <a:buClr>
+                    <a:srgbClr val="00A9C5"/>
+                  </a:buClr>
+                  <a:buSzPct val="80000"/>
+                </a:pPr>
+                <a:r>
+                  <a:rPr lang="fr-FR" sz="1600" dirty="0" smtClean="0">
+                    <a:solidFill>
+                      <a:srgbClr val="4C4C4C"/>
+                    </a:solidFill>
+                    <a:latin typeface="+mj-lt"/>
+                    <a:cs typeface="Helvetica"/>
+                  </a:rPr>
+                  <a:t>API externe</a:t>
+                </a:r>
+                <a:endParaRPr lang="fr-FR" sz="1600" dirty="0" smtClean="0">
+                  <a:solidFill>
+                    <a:srgbClr val="4C4C4C"/>
+                  </a:solidFill>
+                  <a:latin typeface="+mj-lt"/>
+                  <a:cs typeface="Helvetica"/>
+                </a:endParaRPr>
+              </a:p>
+            </p:txBody>
+          </p:sp>
+        </p:grpSp>
+        <p:grpSp>
+          <p:nvGrpSpPr>
+            <p:cNvPr id="90" name="Grouper 89"/>
+            <p:cNvGrpSpPr/>
+            <p:nvPr/>
+          </p:nvGrpSpPr>
+          <p:grpSpPr>
+            <a:xfrm>
+              <a:off x="6730076" y="4315781"/>
+              <a:ext cx="1371163" cy="359997"/>
+              <a:chOff x="6730076" y="4315781"/>
+              <a:chExt cx="1371163" cy="359997"/>
+            </a:xfrm>
+          </p:grpSpPr>
+          <p:cxnSp>
+            <p:nvCxnSpPr>
+              <p:cNvPr id="80" name="Connecteur droit avec flèche 79"/>
+              <p:cNvCxnSpPr/>
+              <p:nvPr/>
+            </p:nvCxnSpPr>
+            <p:spPr bwMode="auto">
+              <a:xfrm flipV="1">
+                <a:off x="6730076" y="4495779"/>
+                <a:ext cx="360000" cy="1"/>
+              </a:xfrm>
+              <a:prstGeom prst="straightConnector1">
+                <a:avLst/>
+              </a:prstGeom>
+              <a:solidFill>
+                <a:schemeClr val="accent1"/>
+              </a:solidFill>
+              <a:ln w="38100" cap="flat" cmpd="sng" algn="ctr">
+                <a:solidFill>
+                  <a:srgbClr val="FFFF00"/>
+                </a:solidFill>
+                <a:prstDash val="solid"/>
+                <a:round/>
+                <a:headEnd type="none" w="med" len="med"/>
+                <a:tailEnd type="arrow"/>
+              </a:ln>
+              <a:effectLst/>
+            </p:spPr>
+          </p:cxnSp>
+          <p:sp>
+            <p:nvSpPr>
+              <p:cNvPr id="81" name="ZoneTexte 80"/>
+              <p:cNvSpPr txBox="1"/>
+              <p:nvPr/>
+            </p:nvSpPr>
+            <p:spPr>
+              <a:xfrm>
+                <a:off x="7090077" y="4315781"/>
+                <a:ext cx="1011162" cy="359997"/>
+              </a:xfrm>
+              <a:prstGeom prst="rect">
+                <a:avLst/>
+              </a:prstGeom>
+              <a:noFill/>
+            </p:spPr>
+            <p:txBody>
+              <a:bodyPr wrap="square" rtlCol="0" anchor="ctr">
+                <a:noAutofit/>
+              </a:bodyPr>
+              <a:lstStyle/>
+              <a:p>
+                <a:pPr eaLnBrk="1" hangingPunct="1">
+                  <a:spcBef>
+                    <a:spcPts val="384"/>
+                  </a:spcBef>
+                  <a:spcAft>
+                    <a:spcPts val="0"/>
+                  </a:spcAft>
+                  <a:buClr>
+                    <a:srgbClr val="00A9C5"/>
+                  </a:buClr>
+                  <a:buSzPct val="80000"/>
+                </a:pPr>
+                <a:r>
+                  <a:rPr lang="fr-FR" sz="1600" dirty="0" smtClean="0">
+                    <a:solidFill>
+                      <a:srgbClr val="4C4C4C"/>
+                    </a:solidFill>
+                    <a:latin typeface="+mj-lt"/>
+                    <a:cs typeface="Helvetica"/>
+                  </a:rPr>
+                  <a:t>API Beta</a:t>
+                </a:r>
+                <a:endParaRPr lang="fr-FR" sz="1600" dirty="0" smtClean="0">
+                  <a:solidFill>
+                    <a:srgbClr val="4C4C4C"/>
+                  </a:solidFill>
+                  <a:latin typeface="+mj-lt"/>
+                  <a:cs typeface="Helvetica"/>
+                </a:endParaRPr>
+              </a:p>
+            </p:txBody>
+          </p:sp>
+        </p:grpSp>
+      </p:grpSp>
+      <p:cxnSp>
+        <p:nvCxnSpPr>
+          <p:cNvPr id="82" name="Connecteur droit avec flèche 81"/>
+          <p:cNvCxnSpPr>
+            <a:stCxn id="62" idx="3"/>
+            <a:endCxn id="50" idx="1"/>
+          </p:cNvCxnSpPr>
+          <p:nvPr/>
+        </p:nvCxnSpPr>
+        <p:spPr bwMode="auto">
+          <a:xfrm flipV="1">
+            <a:off x="1419752" y="2702910"/>
+            <a:ext cx="3000461" cy="602400"/>
+          </a:xfrm>
+          <a:prstGeom prst="straightConnector1">
+            <a:avLst/>
+          </a:prstGeom>
+          <a:solidFill>
+            <a:schemeClr val="accent1"/>
+          </a:solidFill>
+          <a:ln w="38100" cap="flat" cmpd="sng" algn="ctr">
+            <a:solidFill>
+              <a:srgbClr val="FFFF00"/>
+            </a:solidFill>
+            <a:prstDash val="solid"/>
+            <a:round/>
+            <a:headEnd type="none" w="med" len="med"/>
+            <a:tailEnd type="arrow"/>
+          </a:ln>
+          <a:effectLst/>
+        </p:spPr>
+      </p:cxnSp>
+    </p:spTree>
+    <p:extLst>
+      <p:ext uri="{BB962C8B-B14F-4D97-AF65-F5344CB8AC3E}">
+        <p14:creationId xmlns:p14="http://schemas.microsoft.com/office/powerpoint/2010/main" val="3851970508"/>
       </p:ext>
     </p:extLst>
   </p:cSld>

--- a/wip/service_versionning/illus.pptx
+++ b/wip/service_versionning/illus.pptx
@@ -137,7 +137,7 @@
   </p:defaultTextStyle>
   <p:extLst>
     <p:ext uri="{EFAFB233-063F-42B5-8137-9DF3F51BA10A}">
-      <p15:sldGuideLst xmlns:p15="http://schemas.microsoft.com/office/powerpoint/2012/main" xmlns="">
+      <p15:sldGuideLst xmlns="" xmlns:p15="http://schemas.microsoft.com/office/powerpoint/2012/main">
         <p15:guide id="1" orient="horz" pos="2160">
           <p15:clr>
             <a:srgbClr val="A4A3A4"/>
@@ -25718,7 +25718,7 @@
         </p:nvSpPr>
         <p:spPr>
           <a:xfrm>
-            <a:off x="4691095" y="3723870"/>
+            <a:off x="4691095" y="4501249"/>
             <a:ext cx="359997" cy="359997"/>
           </a:xfrm>
           <a:prstGeom prst="roundRect">
@@ -25768,15 +25768,24 @@
         </p:nvSpPr>
         <p:spPr>
           <a:xfrm>
-            <a:off x="5975716" y="3723870"/>
+            <a:off x="5975716" y="4501249"/>
             <a:ext cx="359997" cy="359997"/>
           </a:xfrm>
           <a:prstGeom prst="roundRect">
             <a:avLst/>
           </a:prstGeom>
-          <a:solidFill>
-            <a:srgbClr val="FF6600"/>
-          </a:solidFill>
+          <a:gradFill flip="none" rotWithShape="1">
+            <a:gsLst>
+              <a:gs pos="0">
+                <a:srgbClr val="FF6600"/>
+              </a:gs>
+              <a:gs pos="100000">
+                <a:srgbClr val="FF0000"/>
+              </a:gs>
+            </a:gsLst>
+            <a:lin ang="0" scaled="1"/>
+            <a:tileRect/>
+          </a:gradFill>
           <a:ln w="38100" cmpd="sng">
             <a:solidFill>
               <a:schemeClr val="tx1"/>
@@ -25818,7 +25827,7 @@
         </p:nvSpPr>
         <p:spPr>
           <a:xfrm>
-            <a:off x="3661131" y="3723870"/>
+            <a:off x="3661131" y="4501249"/>
             <a:ext cx="359997" cy="359997"/>
           </a:xfrm>
           <a:prstGeom prst="roundRect">
@@ -25868,7 +25877,7 @@
         </p:nvSpPr>
         <p:spPr>
           <a:xfrm>
-            <a:off x="4029709" y="3723870"/>
+            <a:off x="4029709" y="4501249"/>
             <a:ext cx="1394776" cy="359997"/>
           </a:xfrm>
           <a:prstGeom prst="rect">
@@ -25915,8 +25924,8 @@
         </p:nvSpPr>
         <p:spPr>
           <a:xfrm>
-            <a:off x="5061211" y="3723870"/>
-            <a:ext cx="1758278" cy="359997"/>
+            <a:off x="5061211" y="4501249"/>
+            <a:ext cx="914505" cy="359997"/>
           </a:xfrm>
           <a:prstGeom prst="rect">
             <a:avLst/>
@@ -25962,7 +25971,7 @@
         </p:nvSpPr>
         <p:spPr>
           <a:xfrm>
-            <a:off x="6341614" y="3723870"/>
+            <a:off x="6341614" y="4501249"/>
             <a:ext cx="1758278" cy="359997"/>
           </a:xfrm>
           <a:prstGeom prst="rect">
@@ -26008,9 +26017,9 @@
           <p:nvPr/>
         </p:nvCxnSpPr>
         <p:spPr bwMode="auto">
-          <a:xfrm flipV="1">
-            <a:off x="3034143" y="1529280"/>
-            <a:ext cx="1637512" cy="8640"/>
+          <a:xfrm>
+            <a:off x="1948676" y="1529280"/>
+            <a:ext cx="2722979" cy="0"/>
           </a:xfrm>
           <a:prstGeom prst="straightConnector1">
             <a:avLst/>
@@ -26077,1392 +26086,1347 @@
           </a:p>
         </p:txBody>
       </p:sp>
-      <p:grpSp>
-        <p:nvGrpSpPr>
-          <p:cNvPr id="69" name="Grouper 68"/>
-          <p:cNvGrpSpPr/>
+      <p:sp>
+        <p:nvSpPr>
+          <p:cNvPr id="6" name="Rectangle à coins arrondis 5"/>
+          <p:cNvSpPr/>
           <p:nvPr/>
-        </p:nvGrpSpPr>
-        <p:grpSpPr>
+        </p:nvSpPr>
+        <p:spPr>
+          <a:xfrm>
+            <a:off x="1792660" y="1842094"/>
+            <a:ext cx="359997" cy="359997"/>
+          </a:xfrm>
+          <a:prstGeom prst="roundRect">
+            <a:avLst/>
+          </a:prstGeom>
+          <a:solidFill>
+            <a:schemeClr val="accent3"/>
+          </a:solidFill>
+          <a:ln w="38100" cmpd="sng">
+            <a:solidFill>
+              <a:schemeClr val="tx1"/>
+            </a:solidFill>
+          </a:ln>
+        </p:spPr>
+        <p:txBody>
+          <a:bodyPr rtlCol="0" anchor="ctr">
+            <a:noAutofit/>
+          </a:bodyPr>
+          <a:lstStyle/>
+          <a:p>
+            <a:pPr algn="ctr" eaLnBrk="1" hangingPunct="1">
+              <a:spcBef>
+                <a:spcPts val="384"/>
+              </a:spcBef>
+              <a:spcAft>
+                <a:spcPts val="0"/>
+              </a:spcAft>
+              <a:buClr>
+                <a:srgbClr val="00A9C5"/>
+              </a:buClr>
+              <a:buSzPct val="80000"/>
+            </a:pPr>
+            <a:endParaRPr lang="fr-FR" sz="1600" kern="0" dirty="0" smtClean="0">
+              <a:solidFill>
+                <a:schemeClr val="bg1"/>
+              </a:solidFill>
+              <a:latin typeface="+mj-lt"/>
+            </a:endParaRPr>
+          </a:p>
+        </p:txBody>
+      </p:sp>
+      <p:sp>
+        <p:nvSpPr>
+          <p:cNvPr id="7" name="Rectangle à coins arrondis 6"/>
+          <p:cNvSpPr/>
+          <p:nvPr/>
+        </p:nvSpPr>
+        <p:spPr>
           <a:xfrm>
             <a:off x="1336506" y="1842094"/>
-            <a:ext cx="6470989" cy="360884"/>
-            <a:chOff x="1336506" y="1842094"/>
-            <a:chExt cx="6470989" cy="360884"/>
+            <a:ext cx="359997" cy="359997"/>
           </a:xfrm>
-        </p:grpSpPr>
-        <p:sp>
-          <p:nvSpPr>
-            <p:cNvPr id="6" name="Rectangle à coins arrondis 5"/>
-            <p:cNvSpPr/>
-            <p:nvPr/>
-          </p:nvSpPr>
-          <p:spPr>
-            <a:xfrm>
-              <a:off x="1792660" y="1842094"/>
-              <a:ext cx="359997" cy="359997"/>
-            </a:xfrm>
-            <a:prstGeom prst="roundRect">
-              <a:avLst/>
-            </a:prstGeom>
+          <a:prstGeom prst="roundRect">
+            <a:avLst/>
+          </a:prstGeom>
+          <a:solidFill>
+            <a:schemeClr val="accent3"/>
+          </a:solidFill>
+          <a:ln w="38100" cmpd="sng">
             <a:solidFill>
-              <a:schemeClr val="accent3"/>
+              <a:schemeClr val="tx1"/>
             </a:solidFill>
-            <a:ln w="38100" cmpd="sng">
+          </a:ln>
+        </p:spPr>
+        <p:txBody>
+          <a:bodyPr rtlCol="0" anchor="ctr">
+            <a:noAutofit/>
+          </a:bodyPr>
+          <a:lstStyle/>
+          <a:p>
+            <a:pPr algn="ctr" eaLnBrk="1" hangingPunct="1">
+              <a:spcBef>
+                <a:spcPts val="384"/>
+              </a:spcBef>
+              <a:spcAft>
+                <a:spcPts val="0"/>
+              </a:spcAft>
+              <a:buClr>
+                <a:srgbClr val="00A9C5"/>
+              </a:buClr>
+              <a:buSzPct val="80000"/>
+            </a:pPr>
+            <a:endParaRPr lang="fr-FR" sz="1600" kern="0" dirty="0" smtClean="0">
               <a:solidFill>
-                <a:schemeClr val="tx1"/>
+                <a:schemeClr val="bg1"/>
               </a:solidFill>
-            </a:ln>
-          </p:spPr>
-          <p:txBody>
-            <a:bodyPr rtlCol="0" anchor="ctr">
-              <a:noAutofit/>
-            </a:bodyPr>
-            <a:lstStyle/>
-            <a:p>
-              <a:pPr algn="ctr" eaLnBrk="1" hangingPunct="1">
-                <a:spcBef>
-                  <a:spcPts val="384"/>
-                </a:spcBef>
-                <a:spcAft>
-                  <a:spcPts val="0"/>
-                </a:spcAft>
-                <a:buClr>
-                  <a:srgbClr val="00A9C5"/>
-                </a:buClr>
-                <a:buSzPct val="80000"/>
-              </a:pPr>
-              <a:endParaRPr lang="fr-FR" sz="1600" kern="0" dirty="0" smtClean="0">
+              <a:latin typeface="+mj-lt"/>
+            </a:endParaRPr>
+          </a:p>
+        </p:txBody>
+      </p:sp>
+      <p:sp>
+        <p:nvSpPr>
+          <p:cNvPr id="9" name="Rectangle à coins arrondis 8"/>
+          <p:cNvSpPr/>
+          <p:nvPr/>
+        </p:nvSpPr>
+        <p:spPr>
+          <a:xfrm>
+            <a:off x="2704968" y="1842094"/>
+            <a:ext cx="359997" cy="359997"/>
+          </a:xfrm>
+          <a:prstGeom prst="roundRect">
+            <a:avLst/>
+          </a:prstGeom>
+          <a:solidFill>
+            <a:srgbClr val="FF6600"/>
+          </a:solidFill>
+          <a:ln w="38100" cmpd="sng">
+            <a:solidFill>
+              <a:schemeClr val="tx1"/>
+            </a:solidFill>
+          </a:ln>
+        </p:spPr>
+        <p:txBody>
+          <a:bodyPr rtlCol="0" anchor="ctr">
+            <a:noAutofit/>
+          </a:bodyPr>
+          <a:lstStyle/>
+          <a:p>
+            <a:pPr algn="ctr" eaLnBrk="1" hangingPunct="1">
+              <a:spcBef>
+                <a:spcPts val="384"/>
+              </a:spcBef>
+              <a:spcAft>
+                <a:spcPts val="0"/>
+              </a:spcAft>
+              <a:buClr>
+                <a:srgbClr val="00A9C5"/>
+              </a:buClr>
+              <a:buSzPct val="80000"/>
+            </a:pPr>
+            <a:endParaRPr lang="fr-FR" sz="1600" kern="0" dirty="0" smtClean="0">
+              <a:solidFill>
+                <a:schemeClr val="bg1"/>
+              </a:solidFill>
+              <a:latin typeface="+mj-lt"/>
+            </a:endParaRPr>
+          </a:p>
+        </p:txBody>
+      </p:sp>
+      <p:sp>
+        <p:nvSpPr>
+          <p:cNvPr id="10" name="Rectangle à coins arrondis 9"/>
+          <p:cNvSpPr/>
+          <p:nvPr/>
+        </p:nvSpPr>
+        <p:spPr>
+          <a:xfrm>
+            <a:off x="2248814" y="1842094"/>
+            <a:ext cx="359997" cy="359997"/>
+          </a:xfrm>
+          <a:prstGeom prst="roundRect">
+            <a:avLst/>
+          </a:prstGeom>
+          <a:solidFill>
+            <a:srgbClr val="71B84E"/>
+          </a:solidFill>
+          <a:ln w="38100" cmpd="sng">
+            <a:solidFill>
+              <a:schemeClr val="tx1"/>
+            </a:solidFill>
+          </a:ln>
+        </p:spPr>
+        <p:txBody>
+          <a:bodyPr rtlCol="0" anchor="ctr">
+            <a:noAutofit/>
+          </a:bodyPr>
+          <a:lstStyle/>
+          <a:p>
+            <a:pPr algn="ctr" eaLnBrk="1" hangingPunct="1">
+              <a:spcBef>
+                <a:spcPts val="384"/>
+              </a:spcBef>
+              <a:spcAft>
+                <a:spcPts val="0"/>
+              </a:spcAft>
+              <a:buClr>
+                <a:srgbClr val="00A9C5"/>
+              </a:buClr>
+              <a:buSzPct val="80000"/>
+            </a:pPr>
+            <a:endParaRPr lang="fr-FR" sz="1600" kern="0" dirty="0" smtClean="0">
+              <a:solidFill>
+                <a:schemeClr val="bg1"/>
+              </a:solidFill>
+              <a:latin typeface="+mj-lt"/>
+            </a:endParaRPr>
+          </a:p>
+        </p:txBody>
+      </p:sp>
+      <p:sp>
+        <p:nvSpPr>
+          <p:cNvPr id="11" name="Rectangle à coins arrondis 10"/>
+          <p:cNvSpPr/>
+          <p:nvPr/>
+        </p:nvSpPr>
+        <p:spPr>
+          <a:xfrm>
+            <a:off x="3617276" y="1842094"/>
+            <a:ext cx="359997" cy="359997"/>
+          </a:xfrm>
+          <a:prstGeom prst="roundRect">
+            <a:avLst/>
+          </a:prstGeom>
+          <a:solidFill>
+            <a:srgbClr val="FF3D00"/>
+          </a:solidFill>
+          <a:ln w="38100" cmpd="sng">
+            <a:solidFill>
+              <a:schemeClr val="tx1"/>
+            </a:solidFill>
+          </a:ln>
+        </p:spPr>
+        <p:txBody>
+          <a:bodyPr rtlCol="0" anchor="ctr">
+            <a:noAutofit/>
+          </a:bodyPr>
+          <a:lstStyle/>
+          <a:p>
+            <a:pPr algn="ctr" eaLnBrk="1" hangingPunct="1">
+              <a:spcBef>
+                <a:spcPts val="384"/>
+              </a:spcBef>
+              <a:spcAft>
+                <a:spcPts val="0"/>
+              </a:spcAft>
+              <a:buClr>
+                <a:srgbClr val="00A9C5"/>
+              </a:buClr>
+              <a:buSzPct val="80000"/>
+            </a:pPr>
+            <a:endParaRPr lang="fr-FR" sz="1600" kern="0" dirty="0" smtClean="0">
+              <a:solidFill>
+                <a:schemeClr val="bg1"/>
+              </a:solidFill>
+              <a:latin typeface="+mj-lt"/>
+            </a:endParaRPr>
+          </a:p>
+        </p:txBody>
+      </p:sp>
+      <p:sp>
+        <p:nvSpPr>
+          <p:cNvPr id="12" name="Rectangle à coins arrondis 11"/>
+          <p:cNvSpPr/>
+          <p:nvPr/>
+        </p:nvSpPr>
+        <p:spPr>
+          <a:xfrm>
+            <a:off x="3161122" y="1842094"/>
+            <a:ext cx="359997" cy="359997"/>
+          </a:xfrm>
+          <a:prstGeom prst="roundRect">
+            <a:avLst/>
+          </a:prstGeom>
+          <a:solidFill>
+            <a:srgbClr val="FF5100"/>
+          </a:solidFill>
+          <a:ln w="38100" cmpd="sng">
+            <a:solidFill>
+              <a:schemeClr val="tx1"/>
+            </a:solidFill>
+          </a:ln>
+        </p:spPr>
+        <p:txBody>
+          <a:bodyPr rtlCol="0" anchor="ctr">
+            <a:noAutofit/>
+          </a:bodyPr>
+          <a:lstStyle/>
+          <a:p>
+            <a:pPr algn="ctr" eaLnBrk="1" hangingPunct="1">
+              <a:spcBef>
+                <a:spcPts val="384"/>
+              </a:spcBef>
+              <a:spcAft>
+                <a:spcPts val="0"/>
+              </a:spcAft>
+              <a:buClr>
+                <a:srgbClr val="00A9C5"/>
+              </a:buClr>
+              <a:buSzPct val="80000"/>
+            </a:pPr>
+            <a:endParaRPr lang="fr-FR" sz="1600" kern="0" dirty="0" smtClean="0">
+              <a:solidFill>
+                <a:schemeClr val="bg1"/>
+              </a:solidFill>
+              <a:latin typeface="+mj-lt"/>
+            </a:endParaRPr>
+          </a:p>
+        </p:txBody>
+      </p:sp>
+      <p:sp>
+        <p:nvSpPr>
+          <p:cNvPr id="13" name="Rectangle à coins arrondis 12"/>
+          <p:cNvSpPr/>
+          <p:nvPr/>
+        </p:nvSpPr>
+        <p:spPr>
+          <a:xfrm>
+            <a:off x="4529584" y="1842094"/>
+            <a:ext cx="359997" cy="359997"/>
+          </a:xfrm>
+          <a:prstGeom prst="roundRect">
+            <a:avLst/>
+          </a:prstGeom>
+          <a:solidFill>
+            <a:srgbClr val="FF1400"/>
+          </a:solidFill>
+          <a:ln w="38100" cmpd="sng">
+            <a:solidFill>
+              <a:schemeClr val="tx1"/>
+            </a:solidFill>
+          </a:ln>
+        </p:spPr>
+        <p:txBody>
+          <a:bodyPr rtlCol="0" anchor="ctr">
+            <a:noAutofit/>
+          </a:bodyPr>
+          <a:lstStyle/>
+          <a:p>
+            <a:pPr algn="ctr" eaLnBrk="1" hangingPunct="1">
+              <a:spcBef>
+                <a:spcPts val="384"/>
+              </a:spcBef>
+              <a:spcAft>
+                <a:spcPts val="0"/>
+              </a:spcAft>
+              <a:buClr>
+                <a:srgbClr val="00A9C5"/>
+              </a:buClr>
+              <a:buSzPct val="80000"/>
+            </a:pPr>
+            <a:endParaRPr lang="fr-FR" sz="1600" kern="0" dirty="0" smtClean="0">
+              <a:solidFill>
+                <a:schemeClr val="bg1"/>
+              </a:solidFill>
+              <a:latin typeface="+mj-lt"/>
+            </a:endParaRPr>
+          </a:p>
+        </p:txBody>
+      </p:sp>
+      <p:sp>
+        <p:nvSpPr>
+          <p:cNvPr id="14" name="Rectangle à coins arrondis 13"/>
+          <p:cNvSpPr/>
+          <p:nvPr/>
+        </p:nvSpPr>
+        <p:spPr>
+          <a:xfrm>
+            <a:off x="4073430" y="1842094"/>
+            <a:ext cx="359997" cy="359997"/>
+          </a:xfrm>
+          <a:prstGeom prst="roundRect">
+            <a:avLst/>
+          </a:prstGeom>
+          <a:solidFill>
+            <a:srgbClr val="FF2800"/>
+          </a:solidFill>
+          <a:ln w="38100" cmpd="sng">
+            <a:solidFill>
+              <a:schemeClr val="tx1"/>
+            </a:solidFill>
+          </a:ln>
+        </p:spPr>
+        <p:txBody>
+          <a:bodyPr rtlCol="0" anchor="ctr">
+            <a:noAutofit/>
+          </a:bodyPr>
+          <a:lstStyle/>
+          <a:p>
+            <a:pPr algn="ctr" eaLnBrk="1" hangingPunct="1">
+              <a:spcBef>
+                <a:spcPts val="384"/>
+              </a:spcBef>
+              <a:spcAft>
+                <a:spcPts val="0"/>
+              </a:spcAft>
+              <a:buClr>
+                <a:srgbClr val="00A9C5"/>
+              </a:buClr>
+              <a:buSzPct val="80000"/>
+            </a:pPr>
+            <a:endParaRPr lang="fr-FR" sz="1600" kern="0" dirty="0" smtClean="0">
+              <a:solidFill>
+                <a:schemeClr val="bg1"/>
+              </a:solidFill>
+              <a:latin typeface="+mj-lt"/>
+            </a:endParaRPr>
+          </a:p>
+        </p:txBody>
+      </p:sp>
+      <p:sp>
+        <p:nvSpPr>
+          <p:cNvPr id="15" name="Rectangle à coins arrondis 14"/>
+          <p:cNvSpPr/>
+          <p:nvPr/>
+        </p:nvSpPr>
+        <p:spPr>
+          <a:xfrm>
+            <a:off x="4985738" y="1842981"/>
+            <a:ext cx="359997" cy="359997"/>
+          </a:xfrm>
+          <a:prstGeom prst="roundRect">
+            <a:avLst/>
+          </a:prstGeom>
+          <a:solidFill>
+            <a:srgbClr val="FF0000"/>
+          </a:solidFill>
+          <a:ln w="38100" cmpd="sng">
+            <a:solidFill>
+              <a:schemeClr val="tx1"/>
+            </a:solidFill>
+          </a:ln>
+        </p:spPr>
+        <p:txBody>
+          <a:bodyPr rtlCol="0" anchor="ctr">
+            <a:noAutofit/>
+          </a:bodyPr>
+          <a:lstStyle/>
+          <a:p>
+            <a:pPr algn="ctr" eaLnBrk="1" hangingPunct="1">
+              <a:spcBef>
+                <a:spcPts val="384"/>
+              </a:spcBef>
+              <a:spcAft>
+                <a:spcPts val="0"/>
+              </a:spcAft>
+              <a:buClr>
+                <a:srgbClr val="00A9C5"/>
+              </a:buClr>
+              <a:buSzPct val="80000"/>
+            </a:pPr>
+            <a:endParaRPr lang="fr-FR" sz="1600" kern="0" dirty="0" smtClean="0">
+              <a:solidFill>
+                <a:schemeClr val="bg1"/>
+              </a:solidFill>
+              <a:latin typeface="+mj-lt"/>
+            </a:endParaRPr>
+          </a:p>
+        </p:txBody>
+      </p:sp>
+      <p:sp>
+        <p:nvSpPr>
+          <p:cNvPr id="40" name="ZoneTexte 39"/>
+          <p:cNvSpPr txBox="1"/>
+          <p:nvPr/>
+        </p:nvSpPr>
+        <p:spPr>
+          <a:xfrm>
+            <a:off x="6412719" y="1842981"/>
+            <a:ext cx="1394776" cy="359997"/>
+          </a:xfrm>
+          <a:prstGeom prst="rect">
+            <a:avLst/>
+          </a:prstGeom>
+          <a:noFill/>
+        </p:spPr>
+        <p:txBody>
+          <a:bodyPr wrap="square" rtlCol="0" anchor="ctr">
+            <a:noAutofit/>
+          </a:bodyPr>
+          <a:lstStyle/>
+          <a:p>
+            <a:pPr eaLnBrk="1" hangingPunct="1">
+              <a:spcBef>
+                <a:spcPts val="384"/>
+              </a:spcBef>
+              <a:spcAft>
+                <a:spcPts val="0"/>
+              </a:spcAft>
+              <a:buClr>
+                <a:srgbClr val="00A9C5"/>
+              </a:buClr>
+              <a:buSzPct val="80000"/>
+            </a:pPr>
+            <a:r>
+              <a:rPr lang="fr-FR" sz="1600" dirty="0" smtClean="0">
                 <a:solidFill>
-                  <a:schemeClr val="bg1"/>
+                  <a:srgbClr val="4C4C4C"/>
                 </a:solidFill>
                 <a:latin typeface="+mj-lt"/>
-              </a:endParaRPr>
-            </a:p>
-          </p:txBody>
-        </p:sp>
-        <p:sp>
-          <p:nvSpPr>
-            <p:cNvPr id="7" name="Rectangle à coins arrondis 6"/>
-            <p:cNvSpPr/>
-            <p:nvPr/>
-          </p:nvSpPr>
-          <p:spPr>
-            <a:xfrm>
-              <a:off x="1336506" y="1842094"/>
-              <a:ext cx="359997" cy="359997"/>
-            </a:xfrm>
-            <a:prstGeom prst="roundRect">
-              <a:avLst/>
-            </a:prstGeom>
+                <a:cs typeface="Helvetica"/>
+              </a:rPr>
+              <a:t>Version N-1</a:t>
+            </a:r>
+          </a:p>
+        </p:txBody>
+      </p:sp>
+      <p:sp>
+        <p:nvSpPr>
+          <p:cNvPr id="18" name="Rectangle à coins arrondis 17"/>
+          <p:cNvSpPr/>
+          <p:nvPr/>
+        </p:nvSpPr>
+        <p:spPr>
+          <a:xfrm>
+            <a:off x="1792660" y="2376829"/>
+            <a:ext cx="359997" cy="359997"/>
+          </a:xfrm>
+          <a:prstGeom prst="roundRect">
+            <a:avLst/>
+          </a:prstGeom>
+          <a:solidFill>
+            <a:srgbClr val="FFFF00"/>
+          </a:solidFill>
+          <a:ln w="38100" cmpd="sng">
             <a:solidFill>
-              <a:schemeClr val="accent3"/>
+              <a:schemeClr val="tx1"/>
             </a:solidFill>
-            <a:ln w="38100" cmpd="sng">
+          </a:ln>
+        </p:spPr>
+        <p:txBody>
+          <a:bodyPr rtlCol="0" anchor="ctr">
+            <a:noAutofit/>
+          </a:bodyPr>
+          <a:lstStyle/>
+          <a:p>
+            <a:pPr algn="ctr" eaLnBrk="1" hangingPunct="1">
+              <a:spcBef>
+                <a:spcPts val="384"/>
+              </a:spcBef>
+              <a:spcAft>
+                <a:spcPts val="0"/>
+              </a:spcAft>
+              <a:buClr>
+                <a:srgbClr val="00A9C5"/>
+              </a:buClr>
+              <a:buSzPct val="80000"/>
+            </a:pPr>
+            <a:endParaRPr lang="fr-FR" sz="1600" kern="0" dirty="0" smtClean="0">
               <a:solidFill>
-                <a:schemeClr val="tx1"/>
+                <a:schemeClr val="bg1"/>
               </a:solidFill>
-            </a:ln>
-          </p:spPr>
-          <p:txBody>
-            <a:bodyPr rtlCol="0" anchor="ctr">
-              <a:noAutofit/>
-            </a:bodyPr>
-            <a:lstStyle/>
-            <a:p>
-              <a:pPr algn="ctr" eaLnBrk="1" hangingPunct="1">
-                <a:spcBef>
-                  <a:spcPts val="384"/>
-                </a:spcBef>
-                <a:spcAft>
-                  <a:spcPts val="0"/>
-                </a:spcAft>
-                <a:buClr>
-                  <a:srgbClr val="00A9C5"/>
-                </a:buClr>
-                <a:buSzPct val="80000"/>
-              </a:pPr>
-              <a:endParaRPr lang="fr-FR" sz="1600" kern="0" dirty="0" smtClean="0">
+              <a:latin typeface="+mj-lt"/>
+            </a:endParaRPr>
+          </a:p>
+        </p:txBody>
+      </p:sp>
+      <p:sp>
+        <p:nvSpPr>
+          <p:cNvPr id="20" name="Rectangle à coins arrondis 19"/>
+          <p:cNvSpPr/>
+          <p:nvPr/>
+        </p:nvSpPr>
+        <p:spPr>
+          <a:xfrm>
+            <a:off x="2704968" y="2376829"/>
+            <a:ext cx="359997" cy="359997"/>
+          </a:xfrm>
+          <a:prstGeom prst="roundRect">
+            <a:avLst/>
+          </a:prstGeom>
+          <a:solidFill>
+            <a:srgbClr val="71B84E"/>
+          </a:solidFill>
+          <a:ln w="38100" cmpd="sng">
+            <a:solidFill>
+              <a:schemeClr val="tx1"/>
+            </a:solidFill>
+          </a:ln>
+        </p:spPr>
+        <p:txBody>
+          <a:bodyPr rtlCol="0" anchor="ctr">
+            <a:noAutofit/>
+          </a:bodyPr>
+          <a:lstStyle/>
+          <a:p>
+            <a:pPr algn="ctr" eaLnBrk="1" hangingPunct="1">
+              <a:spcBef>
+                <a:spcPts val="384"/>
+              </a:spcBef>
+              <a:spcAft>
+                <a:spcPts val="0"/>
+              </a:spcAft>
+              <a:buClr>
+                <a:srgbClr val="00A9C5"/>
+              </a:buClr>
+              <a:buSzPct val="80000"/>
+            </a:pPr>
+            <a:endParaRPr lang="fr-FR" sz="1600" kern="0" dirty="0" smtClean="0">
+              <a:solidFill>
+                <a:schemeClr val="bg1"/>
+              </a:solidFill>
+              <a:latin typeface="+mj-lt"/>
+            </a:endParaRPr>
+          </a:p>
+        </p:txBody>
+      </p:sp>
+      <p:sp>
+        <p:nvSpPr>
+          <p:cNvPr id="21" name="Rectangle à coins arrondis 20"/>
+          <p:cNvSpPr/>
+          <p:nvPr/>
+        </p:nvSpPr>
+        <p:spPr>
+          <a:xfrm>
+            <a:off x="2248814" y="2376829"/>
+            <a:ext cx="359997" cy="359997"/>
+          </a:xfrm>
+          <a:prstGeom prst="roundRect">
+            <a:avLst/>
+          </a:prstGeom>
+          <a:solidFill>
+            <a:srgbClr val="FFFF00"/>
+          </a:solidFill>
+          <a:ln w="38100" cmpd="sng">
+            <a:solidFill>
+              <a:schemeClr val="tx1"/>
+            </a:solidFill>
+          </a:ln>
+        </p:spPr>
+        <p:txBody>
+          <a:bodyPr rtlCol="0" anchor="ctr">
+            <a:noAutofit/>
+          </a:bodyPr>
+          <a:lstStyle/>
+          <a:p>
+            <a:pPr algn="ctr" eaLnBrk="1" hangingPunct="1">
+              <a:spcBef>
+                <a:spcPts val="384"/>
+              </a:spcBef>
+              <a:spcAft>
+                <a:spcPts val="0"/>
+              </a:spcAft>
+              <a:buClr>
+                <a:srgbClr val="00A9C5"/>
+              </a:buClr>
+              <a:buSzPct val="80000"/>
+            </a:pPr>
+            <a:endParaRPr lang="fr-FR" sz="1600" kern="0" dirty="0" smtClean="0">
+              <a:solidFill>
+                <a:schemeClr val="bg1"/>
+              </a:solidFill>
+              <a:latin typeface="+mj-lt"/>
+            </a:endParaRPr>
+          </a:p>
+        </p:txBody>
+      </p:sp>
+      <p:sp>
+        <p:nvSpPr>
+          <p:cNvPr id="22" name="Rectangle à coins arrondis 21"/>
+          <p:cNvSpPr/>
+          <p:nvPr/>
+        </p:nvSpPr>
+        <p:spPr>
+          <a:xfrm>
+            <a:off x="3617276" y="2376829"/>
+            <a:ext cx="359997" cy="359997"/>
+          </a:xfrm>
+          <a:prstGeom prst="roundRect">
+            <a:avLst/>
+          </a:prstGeom>
+          <a:solidFill>
+            <a:srgbClr val="71B84E"/>
+          </a:solidFill>
+          <a:ln w="38100" cmpd="sng">
+            <a:solidFill>
+              <a:schemeClr val="tx1"/>
+            </a:solidFill>
+          </a:ln>
+        </p:spPr>
+        <p:txBody>
+          <a:bodyPr rtlCol="0" anchor="ctr">
+            <a:noAutofit/>
+          </a:bodyPr>
+          <a:lstStyle/>
+          <a:p>
+            <a:pPr algn="ctr" eaLnBrk="1" hangingPunct="1">
+              <a:spcBef>
+                <a:spcPts val="384"/>
+              </a:spcBef>
+              <a:spcAft>
+                <a:spcPts val="0"/>
+              </a:spcAft>
+              <a:buClr>
+                <a:srgbClr val="00A9C5"/>
+              </a:buClr>
+              <a:buSzPct val="80000"/>
+            </a:pPr>
+            <a:endParaRPr lang="fr-FR" sz="1600" kern="0" dirty="0" smtClean="0">
+              <a:solidFill>
+                <a:schemeClr val="bg1"/>
+              </a:solidFill>
+              <a:latin typeface="+mj-lt"/>
+            </a:endParaRPr>
+          </a:p>
+        </p:txBody>
+      </p:sp>
+      <p:sp>
+        <p:nvSpPr>
+          <p:cNvPr id="23" name="Rectangle à coins arrondis 22"/>
+          <p:cNvSpPr/>
+          <p:nvPr/>
+        </p:nvSpPr>
+        <p:spPr>
+          <a:xfrm>
+            <a:off x="3161122" y="2376829"/>
+            <a:ext cx="359997" cy="359997"/>
+          </a:xfrm>
+          <a:prstGeom prst="roundRect">
+            <a:avLst/>
+          </a:prstGeom>
+          <a:solidFill>
+            <a:srgbClr val="71B84E"/>
+          </a:solidFill>
+          <a:ln w="38100" cmpd="sng">
+            <a:solidFill>
+              <a:schemeClr val="tx1"/>
+            </a:solidFill>
+          </a:ln>
+        </p:spPr>
+        <p:txBody>
+          <a:bodyPr rtlCol="0" anchor="ctr">
+            <a:noAutofit/>
+          </a:bodyPr>
+          <a:lstStyle/>
+          <a:p>
+            <a:pPr algn="ctr" eaLnBrk="1" hangingPunct="1">
+              <a:spcBef>
+                <a:spcPts val="384"/>
+              </a:spcBef>
+              <a:spcAft>
+                <a:spcPts val="0"/>
+              </a:spcAft>
+              <a:buClr>
+                <a:srgbClr val="00A9C5"/>
+              </a:buClr>
+              <a:buSzPct val="80000"/>
+            </a:pPr>
+            <a:endParaRPr lang="fr-FR" sz="1600" kern="0" dirty="0" smtClean="0">
+              <a:solidFill>
+                <a:schemeClr val="bg1"/>
+              </a:solidFill>
+              <a:latin typeface="+mj-lt"/>
+            </a:endParaRPr>
+          </a:p>
+        </p:txBody>
+      </p:sp>
+      <p:sp>
+        <p:nvSpPr>
+          <p:cNvPr id="24" name="Rectangle à coins arrondis 23"/>
+          <p:cNvSpPr/>
+          <p:nvPr/>
+        </p:nvSpPr>
+        <p:spPr>
+          <a:xfrm>
+            <a:off x="4529584" y="2376829"/>
+            <a:ext cx="359997" cy="359997"/>
+          </a:xfrm>
+          <a:prstGeom prst="roundRect">
+            <a:avLst/>
+          </a:prstGeom>
+          <a:solidFill>
+            <a:srgbClr val="71B84E"/>
+          </a:solidFill>
+          <a:ln w="38100" cmpd="sng">
+            <a:solidFill>
+              <a:schemeClr val="tx1"/>
+            </a:solidFill>
+          </a:ln>
+        </p:spPr>
+        <p:txBody>
+          <a:bodyPr rtlCol="0" anchor="ctr">
+            <a:noAutofit/>
+          </a:bodyPr>
+          <a:lstStyle/>
+          <a:p>
+            <a:pPr algn="ctr" eaLnBrk="1" hangingPunct="1">
+              <a:spcBef>
+                <a:spcPts val="384"/>
+              </a:spcBef>
+              <a:spcAft>
+                <a:spcPts val="0"/>
+              </a:spcAft>
+              <a:buClr>
+                <a:srgbClr val="00A9C5"/>
+              </a:buClr>
+              <a:buSzPct val="80000"/>
+            </a:pPr>
+            <a:endParaRPr lang="fr-FR" sz="1600" kern="0" dirty="0" smtClean="0">
+              <a:solidFill>
+                <a:schemeClr val="bg1"/>
+              </a:solidFill>
+              <a:latin typeface="+mj-lt"/>
+            </a:endParaRPr>
+          </a:p>
+        </p:txBody>
+      </p:sp>
+      <p:sp>
+        <p:nvSpPr>
+          <p:cNvPr id="25" name="Rectangle à coins arrondis 24"/>
+          <p:cNvSpPr/>
+          <p:nvPr/>
+        </p:nvSpPr>
+        <p:spPr>
+          <a:xfrm>
+            <a:off x="4073430" y="2376829"/>
+            <a:ext cx="359997" cy="359997"/>
+          </a:xfrm>
+          <a:prstGeom prst="roundRect">
+            <a:avLst/>
+          </a:prstGeom>
+          <a:solidFill>
+            <a:srgbClr val="71B84E"/>
+          </a:solidFill>
+          <a:ln w="38100" cmpd="sng">
+            <a:solidFill>
+              <a:schemeClr val="tx1"/>
+            </a:solidFill>
+          </a:ln>
+        </p:spPr>
+        <p:txBody>
+          <a:bodyPr rtlCol="0" anchor="ctr">
+            <a:noAutofit/>
+          </a:bodyPr>
+          <a:lstStyle/>
+          <a:p>
+            <a:pPr algn="ctr" eaLnBrk="1" hangingPunct="1">
+              <a:spcBef>
+                <a:spcPts val="384"/>
+              </a:spcBef>
+              <a:spcAft>
+                <a:spcPts val="0"/>
+              </a:spcAft>
+              <a:buClr>
+                <a:srgbClr val="00A9C5"/>
+              </a:buClr>
+              <a:buSzPct val="80000"/>
+            </a:pPr>
+            <a:endParaRPr lang="fr-FR" sz="1600" kern="0" dirty="0" smtClean="0">
+              <a:solidFill>
+                <a:schemeClr val="bg1"/>
+              </a:solidFill>
+              <a:latin typeface="+mj-lt"/>
+            </a:endParaRPr>
+          </a:p>
+        </p:txBody>
+      </p:sp>
+      <p:sp>
+        <p:nvSpPr>
+          <p:cNvPr id="26" name="Rectangle à coins arrondis 25"/>
+          <p:cNvSpPr/>
+          <p:nvPr/>
+        </p:nvSpPr>
+        <p:spPr>
+          <a:xfrm>
+            <a:off x="4985738" y="2376829"/>
+            <a:ext cx="359997" cy="359997"/>
+          </a:xfrm>
+          <a:prstGeom prst="roundRect">
+            <a:avLst/>
+          </a:prstGeom>
+          <a:solidFill>
+            <a:srgbClr val="FF6600"/>
+          </a:solidFill>
+          <a:ln w="38100" cmpd="sng">
+            <a:solidFill>
+              <a:schemeClr val="tx1"/>
+            </a:solidFill>
+          </a:ln>
+        </p:spPr>
+        <p:txBody>
+          <a:bodyPr rtlCol="0" anchor="ctr">
+            <a:noAutofit/>
+          </a:bodyPr>
+          <a:lstStyle/>
+          <a:p>
+            <a:pPr algn="ctr" eaLnBrk="1" hangingPunct="1">
+              <a:spcBef>
+                <a:spcPts val="384"/>
+              </a:spcBef>
+              <a:spcAft>
+                <a:spcPts val="0"/>
+              </a:spcAft>
+              <a:buClr>
+                <a:srgbClr val="00A9C5"/>
+              </a:buClr>
+              <a:buSzPct val="80000"/>
+            </a:pPr>
+            <a:endParaRPr lang="fr-FR" sz="1600" kern="0" dirty="0" smtClean="0">
+              <a:solidFill>
+                <a:schemeClr val="bg1"/>
+              </a:solidFill>
+              <a:latin typeface="+mj-lt"/>
+            </a:endParaRPr>
+          </a:p>
+        </p:txBody>
+      </p:sp>
+      <p:sp>
+        <p:nvSpPr>
+          <p:cNvPr id="27" name="Rectangle à coins arrondis 26"/>
+          <p:cNvSpPr/>
+          <p:nvPr/>
+        </p:nvSpPr>
+        <p:spPr>
+          <a:xfrm>
+            <a:off x="5898046" y="2376829"/>
+            <a:ext cx="359997" cy="359997"/>
+          </a:xfrm>
+          <a:prstGeom prst="roundRect">
+            <a:avLst/>
+          </a:prstGeom>
+          <a:solidFill>
+            <a:srgbClr val="FF3D00"/>
+          </a:solidFill>
+          <a:ln w="38100" cmpd="sng">
+            <a:solidFill>
+              <a:schemeClr val="tx1"/>
+            </a:solidFill>
+          </a:ln>
+        </p:spPr>
+        <p:txBody>
+          <a:bodyPr rtlCol="0" anchor="ctr">
+            <a:noAutofit/>
+          </a:bodyPr>
+          <a:lstStyle/>
+          <a:p>
+            <a:pPr algn="ctr" eaLnBrk="1" hangingPunct="1">
+              <a:spcBef>
+                <a:spcPts val="384"/>
+              </a:spcBef>
+              <a:spcAft>
+                <a:spcPts val="0"/>
+              </a:spcAft>
+              <a:buClr>
+                <a:srgbClr val="00A9C5"/>
+              </a:buClr>
+              <a:buSzPct val="80000"/>
+            </a:pPr>
+            <a:endParaRPr lang="fr-FR" sz="1600" kern="0" dirty="0" smtClean="0">
+              <a:solidFill>
+                <a:schemeClr val="bg1"/>
+              </a:solidFill>
+              <a:latin typeface="+mj-lt"/>
+            </a:endParaRPr>
+          </a:p>
+        </p:txBody>
+      </p:sp>
+      <p:sp>
+        <p:nvSpPr>
+          <p:cNvPr id="28" name="Rectangle à coins arrondis 27"/>
+          <p:cNvSpPr/>
+          <p:nvPr/>
+        </p:nvSpPr>
+        <p:spPr>
+          <a:xfrm>
+            <a:off x="5441892" y="2376829"/>
+            <a:ext cx="359997" cy="359997"/>
+          </a:xfrm>
+          <a:prstGeom prst="roundRect">
+            <a:avLst/>
+          </a:prstGeom>
+          <a:solidFill>
+            <a:srgbClr val="FF5100"/>
+          </a:solidFill>
+          <a:ln w="38100" cmpd="sng">
+            <a:solidFill>
+              <a:schemeClr val="tx1"/>
+            </a:solidFill>
+          </a:ln>
+        </p:spPr>
+        <p:txBody>
+          <a:bodyPr rtlCol="0" anchor="ctr">
+            <a:noAutofit/>
+          </a:bodyPr>
+          <a:lstStyle/>
+          <a:p>
+            <a:pPr algn="ctr" eaLnBrk="1" hangingPunct="1">
+              <a:spcBef>
+                <a:spcPts val="384"/>
+              </a:spcBef>
+              <a:spcAft>
+                <a:spcPts val="0"/>
+              </a:spcAft>
+              <a:buClr>
+                <a:srgbClr val="00A9C5"/>
+              </a:buClr>
+              <a:buSzPct val="80000"/>
+            </a:pPr>
+            <a:endParaRPr lang="fr-FR" sz="1600" kern="0" dirty="0" smtClean="0">
+              <a:solidFill>
+                <a:schemeClr val="bg1"/>
+              </a:solidFill>
+              <a:latin typeface="+mj-lt"/>
+            </a:endParaRPr>
+          </a:p>
+        </p:txBody>
+      </p:sp>
+      <p:sp>
+        <p:nvSpPr>
+          <p:cNvPr id="41" name="ZoneTexte 40"/>
+          <p:cNvSpPr txBox="1"/>
+          <p:nvPr/>
+        </p:nvSpPr>
+        <p:spPr>
+          <a:xfrm>
+            <a:off x="6412719" y="2383521"/>
+            <a:ext cx="1394776" cy="359997"/>
+          </a:xfrm>
+          <a:prstGeom prst="rect">
+            <a:avLst/>
+          </a:prstGeom>
+          <a:noFill/>
+        </p:spPr>
+        <p:txBody>
+          <a:bodyPr wrap="square" rtlCol="0" anchor="ctr">
+            <a:noAutofit/>
+          </a:bodyPr>
+          <a:lstStyle/>
+          <a:p>
+            <a:pPr eaLnBrk="1" hangingPunct="1">
+              <a:spcBef>
+                <a:spcPts val="384"/>
+              </a:spcBef>
+              <a:spcAft>
+                <a:spcPts val="0"/>
+              </a:spcAft>
+              <a:buClr>
+                <a:srgbClr val="00A9C5"/>
+              </a:buClr>
+              <a:buSzPct val="80000"/>
+            </a:pPr>
+            <a:r>
+              <a:rPr lang="fr-FR" sz="1600" dirty="0" smtClean="0">
                 <a:solidFill>
-                  <a:schemeClr val="bg1"/>
+                  <a:srgbClr val="4C4C4C"/>
                 </a:solidFill>
                 <a:latin typeface="+mj-lt"/>
-              </a:endParaRPr>
-            </a:p>
-          </p:txBody>
-        </p:sp>
-        <p:sp>
-          <p:nvSpPr>
-            <p:cNvPr id="9" name="Rectangle à coins arrondis 8"/>
-            <p:cNvSpPr/>
-            <p:nvPr/>
-          </p:nvSpPr>
-          <p:spPr>
-            <a:xfrm>
-              <a:off x="2704968" y="1842094"/>
-              <a:ext cx="359997" cy="359997"/>
-            </a:xfrm>
-            <a:prstGeom prst="roundRect">
-              <a:avLst/>
-            </a:prstGeom>
+                <a:cs typeface="Helvetica"/>
+              </a:rPr>
+              <a:t>Version N</a:t>
+            </a:r>
+          </a:p>
+        </p:txBody>
+      </p:sp>
+      <p:sp>
+        <p:nvSpPr>
+          <p:cNvPr id="35" name="Rectangle à coins arrondis 34"/>
+          <p:cNvSpPr/>
+          <p:nvPr/>
+        </p:nvSpPr>
+        <p:spPr>
+          <a:xfrm>
+            <a:off x="4529584" y="2917370"/>
+            <a:ext cx="359997" cy="359997"/>
+          </a:xfrm>
+          <a:prstGeom prst="roundRect">
+            <a:avLst/>
+          </a:prstGeom>
+          <a:solidFill>
+            <a:srgbClr val="FFFF00"/>
+          </a:solidFill>
+          <a:ln w="38100" cmpd="sng">
             <a:solidFill>
-              <a:srgbClr val="FF6600"/>
+              <a:schemeClr val="tx1"/>
             </a:solidFill>
-            <a:ln w="38100" cmpd="sng">
+          </a:ln>
+        </p:spPr>
+        <p:txBody>
+          <a:bodyPr rtlCol="0" anchor="ctr">
+            <a:noAutofit/>
+          </a:bodyPr>
+          <a:lstStyle/>
+          <a:p>
+            <a:pPr algn="ctr" eaLnBrk="1" hangingPunct="1">
+              <a:spcBef>
+                <a:spcPts val="384"/>
+              </a:spcBef>
+              <a:spcAft>
+                <a:spcPts val="0"/>
+              </a:spcAft>
+              <a:buClr>
+                <a:srgbClr val="00A9C5"/>
+              </a:buClr>
+              <a:buSzPct val="80000"/>
+            </a:pPr>
+            <a:endParaRPr lang="fr-FR" sz="1600" kern="0" dirty="0" smtClean="0">
               <a:solidFill>
-                <a:schemeClr val="tx1"/>
+                <a:schemeClr val="bg1"/>
               </a:solidFill>
-            </a:ln>
-          </p:spPr>
-          <p:txBody>
-            <a:bodyPr rtlCol="0" anchor="ctr">
-              <a:noAutofit/>
-            </a:bodyPr>
-            <a:lstStyle/>
-            <a:p>
-              <a:pPr algn="ctr" eaLnBrk="1" hangingPunct="1">
-                <a:spcBef>
-                  <a:spcPts val="384"/>
-                </a:spcBef>
-                <a:spcAft>
-                  <a:spcPts val="0"/>
-                </a:spcAft>
-                <a:buClr>
-                  <a:srgbClr val="00A9C5"/>
-                </a:buClr>
-                <a:buSzPct val="80000"/>
-              </a:pPr>
-              <a:endParaRPr lang="fr-FR" sz="1600" kern="0" dirty="0" smtClean="0">
+              <a:latin typeface="+mj-lt"/>
+            </a:endParaRPr>
+          </a:p>
+        </p:txBody>
+      </p:sp>
+      <p:sp>
+        <p:nvSpPr>
+          <p:cNvPr id="36" name="Rectangle à coins arrondis 35"/>
+          <p:cNvSpPr/>
+          <p:nvPr/>
+        </p:nvSpPr>
+        <p:spPr>
+          <a:xfrm>
+            <a:off x="4073430" y="2917370"/>
+            <a:ext cx="359997" cy="359997"/>
+          </a:xfrm>
+          <a:prstGeom prst="roundRect">
+            <a:avLst/>
+          </a:prstGeom>
+          <a:solidFill>
+            <a:srgbClr val="FFFF00"/>
+          </a:solidFill>
+          <a:ln w="38100" cmpd="sng">
+            <a:solidFill>
+              <a:schemeClr val="tx1"/>
+            </a:solidFill>
+          </a:ln>
+        </p:spPr>
+        <p:txBody>
+          <a:bodyPr rtlCol="0" anchor="ctr">
+            <a:noAutofit/>
+          </a:bodyPr>
+          <a:lstStyle/>
+          <a:p>
+            <a:pPr algn="ctr" eaLnBrk="1" hangingPunct="1">
+              <a:spcBef>
+                <a:spcPts val="384"/>
+              </a:spcBef>
+              <a:spcAft>
+                <a:spcPts val="0"/>
+              </a:spcAft>
+              <a:buClr>
+                <a:srgbClr val="00A9C5"/>
+              </a:buClr>
+              <a:buSzPct val="80000"/>
+            </a:pPr>
+            <a:endParaRPr lang="fr-FR" sz="1600" kern="0" dirty="0" smtClean="0">
+              <a:solidFill>
+                <a:schemeClr val="bg1"/>
+              </a:solidFill>
+              <a:latin typeface="+mj-lt"/>
+            </a:endParaRPr>
+          </a:p>
+        </p:txBody>
+      </p:sp>
+      <p:sp>
+        <p:nvSpPr>
+          <p:cNvPr id="37" name="Rectangle à coins arrondis 36"/>
+          <p:cNvSpPr/>
+          <p:nvPr/>
+        </p:nvSpPr>
+        <p:spPr>
+          <a:xfrm>
+            <a:off x="4985738" y="2917370"/>
+            <a:ext cx="359997" cy="359997"/>
+          </a:xfrm>
+          <a:prstGeom prst="roundRect">
+            <a:avLst/>
+          </a:prstGeom>
+          <a:solidFill>
+            <a:srgbClr val="71B84E"/>
+          </a:solidFill>
+          <a:ln w="38100" cmpd="sng">
+            <a:solidFill>
+              <a:schemeClr val="tx1"/>
+            </a:solidFill>
+          </a:ln>
+        </p:spPr>
+        <p:txBody>
+          <a:bodyPr rtlCol="0" anchor="ctr">
+            <a:noAutofit/>
+          </a:bodyPr>
+          <a:lstStyle/>
+          <a:p>
+            <a:pPr algn="ctr" eaLnBrk="1" hangingPunct="1">
+              <a:spcBef>
+                <a:spcPts val="384"/>
+              </a:spcBef>
+              <a:spcAft>
+                <a:spcPts val="0"/>
+              </a:spcAft>
+              <a:buClr>
+                <a:srgbClr val="00A9C5"/>
+              </a:buClr>
+              <a:buSzPct val="80000"/>
+            </a:pPr>
+            <a:endParaRPr lang="fr-FR" sz="1600" kern="0" dirty="0" smtClean="0">
+              <a:solidFill>
+                <a:schemeClr val="bg1"/>
+              </a:solidFill>
+              <a:latin typeface="+mj-lt"/>
+            </a:endParaRPr>
+          </a:p>
+        </p:txBody>
+      </p:sp>
+      <p:sp>
+        <p:nvSpPr>
+          <p:cNvPr id="38" name="Rectangle à coins arrondis 37"/>
+          <p:cNvSpPr/>
+          <p:nvPr/>
+        </p:nvSpPr>
+        <p:spPr>
+          <a:xfrm>
+            <a:off x="5898046" y="2917370"/>
+            <a:ext cx="359997" cy="359997"/>
+          </a:xfrm>
+          <a:prstGeom prst="roundRect">
+            <a:avLst/>
+          </a:prstGeom>
+          <a:solidFill>
+            <a:srgbClr val="71B84E"/>
+          </a:solidFill>
+          <a:ln w="38100" cmpd="sng">
+            <a:solidFill>
+              <a:schemeClr val="tx1"/>
+            </a:solidFill>
+          </a:ln>
+        </p:spPr>
+        <p:txBody>
+          <a:bodyPr rtlCol="0" anchor="ctr">
+            <a:noAutofit/>
+          </a:bodyPr>
+          <a:lstStyle/>
+          <a:p>
+            <a:pPr algn="ctr" eaLnBrk="1" hangingPunct="1">
+              <a:spcBef>
+                <a:spcPts val="384"/>
+              </a:spcBef>
+              <a:spcAft>
+                <a:spcPts val="0"/>
+              </a:spcAft>
+              <a:buClr>
+                <a:srgbClr val="00A9C5"/>
+              </a:buClr>
+              <a:buSzPct val="80000"/>
+            </a:pPr>
+            <a:endParaRPr lang="fr-FR" sz="1600" kern="0" dirty="0" smtClean="0">
+              <a:solidFill>
+                <a:schemeClr val="bg1"/>
+              </a:solidFill>
+              <a:latin typeface="+mj-lt"/>
+            </a:endParaRPr>
+          </a:p>
+        </p:txBody>
+      </p:sp>
+      <p:sp>
+        <p:nvSpPr>
+          <p:cNvPr id="39" name="Rectangle à coins arrondis 38"/>
+          <p:cNvSpPr/>
+          <p:nvPr/>
+        </p:nvSpPr>
+        <p:spPr>
+          <a:xfrm>
+            <a:off x="5441892" y="2917370"/>
+            <a:ext cx="359997" cy="359997"/>
+          </a:xfrm>
+          <a:prstGeom prst="roundRect">
+            <a:avLst/>
+          </a:prstGeom>
+          <a:solidFill>
+            <a:srgbClr val="71B84E"/>
+          </a:solidFill>
+          <a:ln w="38100" cmpd="sng">
+            <a:solidFill>
+              <a:schemeClr val="tx1"/>
+            </a:solidFill>
+          </a:ln>
+        </p:spPr>
+        <p:txBody>
+          <a:bodyPr rtlCol="0" anchor="ctr">
+            <a:noAutofit/>
+          </a:bodyPr>
+          <a:lstStyle/>
+          <a:p>
+            <a:pPr algn="ctr" eaLnBrk="1" hangingPunct="1">
+              <a:spcBef>
+                <a:spcPts val="384"/>
+              </a:spcBef>
+              <a:spcAft>
+                <a:spcPts val="0"/>
+              </a:spcAft>
+              <a:buClr>
+                <a:srgbClr val="00A9C5"/>
+              </a:buClr>
+              <a:buSzPct val="80000"/>
+            </a:pPr>
+            <a:endParaRPr lang="fr-FR" sz="1600" kern="0" dirty="0" smtClean="0">
+              <a:solidFill>
+                <a:schemeClr val="bg1"/>
+              </a:solidFill>
+              <a:latin typeface="+mj-lt"/>
+            </a:endParaRPr>
+          </a:p>
+        </p:txBody>
+      </p:sp>
+      <p:sp>
+        <p:nvSpPr>
+          <p:cNvPr id="43" name="ZoneTexte 42"/>
+          <p:cNvSpPr txBox="1"/>
+          <p:nvPr/>
+        </p:nvSpPr>
+        <p:spPr>
+          <a:xfrm>
+            <a:off x="6412719" y="2924062"/>
+            <a:ext cx="1394776" cy="359997"/>
+          </a:xfrm>
+          <a:prstGeom prst="rect">
+            <a:avLst/>
+          </a:prstGeom>
+          <a:noFill/>
+        </p:spPr>
+        <p:txBody>
+          <a:bodyPr wrap="square" rtlCol="0" anchor="ctr">
+            <a:noAutofit/>
+          </a:bodyPr>
+          <a:lstStyle/>
+          <a:p>
+            <a:pPr eaLnBrk="1" hangingPunct="1">
+              <a:spcBef>
+                <a:spcPts val="384"/>
+              </a:spcBef>
+              <a:spcAft>
+                <a:spcPts val="0"/>
+              </a:spcAft>
+              <a:buClr>
+                <a:srgbClr val="00A9C5"/>
+              </a:buClr>
+              <a:buSzPct val="80000"/>
+            </a:pPr>
+            <a:r>
+              <a:rPr lang="fr-FR" sz="1600" dirty="0" smtClean="0">
                 <a:solidFill>
-                  <a:schemeClr val="bg1"/>
+                  <a:srgbClr val="4C4C4C"/>
                 </a:solidFill>
                 <a:latin typeface="+mj-lt"/>
-              </a:endParaRPr>
-            </a:p>
-          </p:txBody>
-        </p:sp>
-        <p:sp>
-          <p:nvSpPr>
-            <p:cNvPr id="10" name="Rectangle à coins arrondis 9"/>
-            <p:cNvSpPr/>
-            <p:nvPr/>
-          </p:nvSpPr>
-          <p:spPr>
-            <a:xfrm>
-              <a:off x="2248814" y="1842094"/>
-              <a:ext cx="359997" cy="359997"/>
-            </a:xfrm>
-            <a:prstGeom prst="roundRect">
-              <a:avLst/>
-            </a:prstGeom>
-            <a:solidFill>
-              <a:srgbClr val="71B84E"/>
-            </a:solidFill>
-            <a:ln w="38100" cmpd="sng">
-              <a:solidFill>
-                <a:schemeClr val="tx1"/>
-              </a:solidFill>
-            </a:ln>
-          </p:spPr>
-          <p:txBody>
-            <a:bodyPr rtlCol="0" anchor="ctr">
-              <a:noAutofit/>
-            </a:bodyPr>
-            <a:lstStyle/>
-            <a:p>
-              <a:pPr algn="ctr" eaLnBrk="1" hangingPunct="1">
-                <a:spcBef>
-                  <a:spcPts val="384"/>
-                </a:spcBef>
-                <a:spcAft>
-                  <a:spcPts val="0"/>
-                </a:spcAft>
-                <a:buClr>
-                  <a:srgbClr val="00A9C5"/>
-                </a:buClr>
-                <a:buSzPct val="80000"/>
-              </a:pPr>
-              <a:endParaRPr lang="fr-FR" sz="1600" kern="0" dirty="0" smtClean="0">
-                <a:solidFill>
-                  <a:schemeClr val="bg1"/>
-                </a:solidFill>
-                <a:latin typeface="+mj-lt"/>
-              </a:endParaRPr>
-            </a:p>
-          </p:txBody>
-        </p:sp>
-        <p:sp>
-          <p:nvSpPr>
-            <p:cNvPr id="11" name="Rectangle à coins arrondis 10"/>
-            <p:cNvSpPr/>
-            <p:nvPr/>
-          </p:nvSpPr>
-          <p:spPr>
-            <a:xfrm>
-              <a:off x="3617276" y="1842094"/>
-              <a:ext cx="359997" cy="359997"/>
-            </a:xfrm>
-            <a:prstGeom prst="roundRect">
-              <a:avLst/>
-            </a:prstGeom>
-            <a:solidFill>
-              <a:srgbClr val="FF6600"/>
-            </a:solidFill>
-            <a:ln w="38100" cmpd="sng">
-              <a:solidFill>
-                <a:schemeClr val="tx1"/>
-              </a:solidFill>
-            </a:ln>
-          </p:spPr>
-          <p:txBody>
-            <a:bodyPr rtlCol="0" anchor="ctr">
-              <a:noAutofit/>
-            </a:bodyPr>
-            <a:lstStyle/>
-            <a:p>
-              <a:pPr algn="ctr" eaLnBrk="1" hangingPunct="1">
-                <a:spcBef>
-                  <a:spcPts val="384"/>
-                </a:spcBef>
-                <a:spcAft>
-                  <a:spcPts val="0"/>
-                </a:spcAft>
-                <a:buClr>
-                  <a:srgbClr val="00A9C5"/>
-                </a:buClr>
-                <a:buSzPct val="80000"/>
-              </a:pPr>
-              <a:endParaRPr lang="fr-FR" sz="1600" kern="0" dirty="0" smtClean="0">
-                <a:solidFill>
-                  <a:schemeClr val="bg1"/>
-                </a:solidFill>
-                <a:latin typeface="+mj-lt"/>
-              </a:endParaRPr>
-            </a:p>
-          </p:txBody>
-        </p:sp>
-        <p:sp>
-          <p:nvSpPr>
-            <p:cNvPr id="12" name="Rectangle à coins arrondis 11"/>
-            <p:cNvSpPr/>
-            <p:nvPr/>
-          </p:nvSpPr>
-          <p:spPr>
-            <a:xfrm>
-              <a:off x="3161122" y="1842094"/>
-              <a:ext cx="359997" cy="359997"/>
-            </a:xfrm>
-            <a:prstGeom prst="roundRect">
-              <a:avLst/>
-            </a:prstGeom>
-            <a:solidFill>
-              <a:srgbClr val="FF6600"/>
-            </a:solidFill>
-            <a:ln w="38100" cmpd="sng">
-              <a:solidFill>
-                <a:schemeClr val="tx1"/>
-              </a:solidFill>
-            </a:ln>
-          </p:spPr>
-          <p:txBody>
-            <a:bodyPr rtlCol="0" anchor="ctr">
-              <a:noAutofit/>
-            </a:bodyPr>
-            <a:lstStyle/>
-            <a:p>
-              <a:pPr algn="ctr" eaLnBrk="1" hangingPunct="1">
-                <a:spcBef>
-                  <a:spcPts val="384"/>
-                </a:spcBef>
-                <a:spcAft>
-                  <a:spcPts val="0"/>
-                </a:spcAft>
-                <a:buClr>
-                  <a:srgbClr val="00A9C5"/>
-                </a:buClr>
-                <a:buSzPct val="80000"/>
-              </a:pPr>
-              <a:endParaRPr lang="fr-FR" sz="1600" kern="0" dirty="0" smtClean="0">
-                <a:solidFill>
-                  <a:schemeClr val="bg1"/>
-                </a:solidFill>
-                <a:latin typeface="+mj-lt"/>
-              </a:endParaRPr>
-            </a:p>
-          </p:txBody>
-        </p:sp>
-        <p:sp>
-          <p:nvSpPr>
-            <p:cNvPr id="13" name="Rectangle à coins arrondis 12"/>
-            <p:cNvSpPr/>
-            <p:nvPr/>
-          </p:nvSpPr>
-          <p:spPr>
-            <a:xfrm>
-              <a:off x="4529584" y="1842094"/>
-              <a:ext cx="359997" cy="359997"/>
-            </a:xfrm>
-            <a:prstGeom prst="roundRect">
-              <a:avLst/>
-            </a:prstGeom>
-            <a:solidFill>
-              <a:srgbClr val="FF6600"/>
-            </a:solidFill>
-            <a:ln w="38100" cmpd="sng">
-              <a:solidFill>
-                <a:schemeClr val="tx1"/>
-              </a:solidFill>
-            </a:ln>
-          </p:spPr>
-          <p:txBody>
-            <a:bodyPr rtlCol="0" anchor="ctr">
-              <a:noAutofit/>
-            </a:bodyPr>
-            <a:lstStyle/>
-            <a:p>
-              <a:pPr algn="ctr" eaLnBrk="1" hangingPunct="1">
-                <a:spcBef>
-                  <a:spcPts val="384"/>
-                </a:spcBef>
-                <a:spcAft>
-                  <a:spcPts val="0"/>
-                </a:spcAft>
-                <a:buClr>
-                  <a:srgbClr val="00A9C5"/>
-                </a:buClr>
-                <a:buSzPct val="80000"/>
-              </a:pPr>
-              <a:endParaRPr lang="fr-FR" sz="1600" kern="0" dirty="0" smtClean="0">
-                <a:solidFill>
-                  <a:schemeClr val="bg1"/>
-                </a:solidFill>
-                <a:latin typeface="+mj-lt"/>
-              </a:endParaRPr>
-            </a:p>
-          </p:txBody>
-        </p:sp>
-        <p:sp>
-          <p:nvSpPr>
-            <p:cNvPr id="14" name="Rectangle à coins arrondis 13"/>
-            <p:cNvSpPr/>
-            <p:nvPr/>
-          </p:nvSpPr>
-          <p:spPr>
-            <a:xfrm>
-              <a:off x="4073430" y="1842094"/>
-              <a:ext cx="359997" cy="359997"/>
-            </a:xfrm>
-            <a:prstGeom prst="roundRect">
-              <a:avLst/>
-            </a:prstGeom>
-            <a:solidFill>
-              <a:srgbClr val="FF6600"/>
-            </a:solidFill>
-            <a:ln w="38100" cmpd="sng">
-              <a:solidFill>
-                <a:schemeClr val="tx1"/>
-              </a:solidFill>
-            </a:ln>
-          </p:spPr>
-          <p:txBody>
-            <a:bodyPr rtlCol="0" anchor="ctr">
-              <a:noAutofit/>
-            </a:bodyPr>
-            <a:lstStyle/>
-            <a:p>
-              <a:pPr algn="ctr" eaLnBrk="1" hangingPunct="1">
-                <a:spcBef>
-                  <a:spcPts val="384"/>
-                </a:spcBef>
-                <a:spcAft>
-                  <a:spcPts val="0"/>
-                </a:spcAft>
-                <a:buClr>
-                  <a:srgbClr val="00A9C5"/>
-                </a:buClr>
-                <a:buSzPct val="80000"/>
-              </a:pPr>
-              <a:endParaRPr lang="fr-FR" sz="1600" kern="0" dirty="0" smtClean="0">
-                <a:solidFill>
-                  <a:schemeClr val="bg1"/>
-                </a:solidFill>
-                <a:latin typeface="+mj-lt"/>
-              </a:endParaRPr>
-            </a:p>
-          </p:txBody>
-        </p:sp>
-        <p:sp>
-          <p:nvSpPr>
-            <p:cNvPr id="15" name="Rectangle à coins arrondis 14"/>
-            <p:cNvSpPr/>
-            <p:nvPr/>
-          </p:nvSpPr>
-          <p:spPr>
-            <a:xfrm>
-              <a:off x="4985738" y="1842981"/>
-              <a:ext cx="359997" cy="359997"/>
-            </a:xfrm>
-            <a:prstGeom prst="roundRect">
-              <a:avLst/>
-            </a:prstGeom>
-            <a:solidFill>
-              <a:schemeClr val="accent2"/>
-            </a:solidFill>
-            <a:ln w="38100" cmpd="sng">
-              <a:solidFill>
-                <a:schemeClr val="tx1"/>
-              </a:solidFill>
-            </a:ln>
-          </p:spPr>
-          <p:txBody>
-            <a:bodyPr rtlCol="0" anchor="ctr">
-              <a:noAutofit/>
-            </a:bodyPr>
-            <a:lstStyle/>
-            <a:p>
-              <a:pPr algn="ctr" eaLnBrk="1" hangingPunct="1">
-                <a:spcBef>
-                  <a:spcPts val="384"/>
-                </a:spcBef>
-                <a:spcAft>
-                  <a:spcPts val="0"/>
-                </a:spcAft>
-                <a:buClr>
-                  <a:srgbClr val="00A9C5"/>
-                </a:buClr>
-                <a:buSzPct val="80000"/>
-              </a:pPr>
-              <a:endParaRPr lang="fr-FR" sz="1600" kern="0" dirty="0" smtClean="0">
-                <a:solidFill>
-                  <a:schemeClr val="bg1"/>
-                </a:solidFill>
-                <a:latin typeface="+mj-lt"/>
-              </a:endParaRPr>
-            </a:p>
-          </p:txBody>
-        </p:sp>
-        <p:sp>
-          <p:nvSpPr>
-            <p:cNvPr id="40" name="ZoneTexte 39"/>
-            <p:cNvSpPr txBox="1"/>
-            <p:nvPr/>
-          </p:nvSpPr>
-          <p:spPr>
-            <a:xfrm>
-              <a:off x="6412719" y="1842981"/>
-              <a:ext cx="1394776" cy="359997"/>
-            </a:xfrm>
-            <a:prstGeom prst="rect">
-              <a:avLst/>
-            </a:prstGeom>
-            <a:noFill/>
-          </p:spPr>
-          <p:txBody>
-            <a:bodyPr wrap="square" rtlCol="0" anchor="ctr">
-              <a:noAutofit/>
-            </a:bodyPr>
-            <a:lstStyle/>
-            <a:p>
-              <a:pPr eaLnBrk="1" hangingPunct="1">
-                <a:spcBef>
-                  <a:spcPts val="384"/>
-                </a:spcBef>
-                <a:spcAft>
-                  <a:spcPts val="0"/>
-                </a:spcAft>
-                <a:buClr>
-                  <a:srgbClr val="00A9C5"/>
-                </a:buClr>
-                <a:buSzPct val="80000"/>
-              </a:pPr>
-              <a:r>
-                <a:rPr lang="fr-FR" sz="1600" dirty="0" smtClean="0">
-                  <a:solidFill>
-                    <a:srgbClr val="4C4C4C"/>
-                  </a:solidFill>
-                  <a:latin typeface="+mj-lt"/>
-                  <a:cs typeface="Helvetica"/>
-                </a:rPr>
-                <a:t>Version N-1</a:t>
-              </a:r>
-            </a:p>
-          </p:txBody>
-        </p:sp>
-      </p:grpSp>
-      <p:grpSp>
-        <p:nvGrpSpPr>
-          <p:cNvPr id="70" name="Grouper 69"/>
-          <p:cNvGrpSpPr/>
-          <p:nvPr/>
-        </p:nvGrpSpPr>
-        <p:grpSpPr>
-          <a:xfrm>
-            <a:off x="1792660" y="2376829"/>
-            <a:ext cx="6014835" cy="366689"/>
-            <a:chOff x="1792660" y="2389051"/>
-            <a:chExt cx="6014835" cy="366689"/>
-          </a:xfrm>
-        </p:grpSpPr>
-        <p:sp>
-          <p:nvSpPr>
-            <p:cNvPr id="18" name="Rectangle à coins arrondis 17"/>
-            <p:cNvSpPr/>
-            <p:nvPr/>
-          </p:nvSpPr>
-          <p:spPr>
-            <a:xfrm>
-              <a:off x="1792660" y="2389051"/>
-              <a:ext cx="359997" cy="359997"/>
-            </a:xfrm>
-            <a:prstGeom prst="roundRect">
-              <a:avLst/>
-            </a:prstGeom>
-            <a:solidFill>
-              <a:srgbClr val="FFFF00"/>
-            </a:solidFill>
-            <a:ln w="38100" cmpd="sng">
-              <a:solidFill>
-                <a:schemeClr val="tx1"/>
-              </a:solidFill>
-            </a:ln>
-          </p:spPr>
-          <p:txBody>
-            <a:bodyPr rtlCol="0" anchor="ctr">
-              <a:noAutofit/>
-            </a:bodyPr>
-            <a:lstStyle/>
-            <a:p>
-              <a:pPr algn="ctr" eaLnBrk="1" hangingPunct="1">
-                <a:spcBef>
-                  <a:spcPts val="384"/>
-                </a:spcBef>
-                <a:spcAft>
-                  <a:spcPts val="0"/>
-                </a:spcAft>
-                <a:buClr>
-                  <a:srgbClr val="00A9C5"/>
-                </a:buClr>
-                <a:buSzPct val="80000"/>
-              </a:pPr>
-              <a:endParaRPr lang="fr-FR" sz="1600" kern="0" dirty="0" smtClean="0">
-                <a:solidFill>
-                  <a:schemeClr val="bg1"/>
-                </a:solidFill>
-                <a:latin typeface="+mj-lt"/>
-              </a:endParaRPr>
-            </a:p>
-          </p:txBody>
-        </p:sp>
-        <p:sp>
-          <p:nvSpPr>
-            <p:cNvPr id="20" name="Rectangle à coins arrondis 19"/>
-            <p:cNvSpPr/>
-            <p:nvPr/>
-          </p:nvSpPr>
-          <p:spPr>
-            <a:xfrm>
-              <a:off x="2704968" y="2389051"/>
-              <a:ext cx="359997" cy="359997"/>
-            </a:xfrm>
-            <a:prstGeom prst="roundRect">
-              <a:avLst/>
-            </a:prstGeom>
-            <a:solidFill>
-              <a:srgbClr val="71B84E"/>
-            </a:solidFill>
-            <a:ln w="38100" cmpd="sng">
-              <a:solidFill>
-                <a:schemeClr val="tx1"/>
-              </a:solidFill>
-            </a:ln>
-          </p:spPr>
-          <p:txBody>
-            <a:bodyPr rtlCol="0" anchor="ctr">
-              <a:noAutofit/>
-            </a:bodyPr>
-            <a:lstStyle/>
-            <a:p>
-              <a:pPr algn="ctr" eaLnBrk="1" hangingPunct="1">
-                <a:spcBef>
-                  <a:spcPts val="384"/>
-                </a:spcBef>
-                <a:spcAft>
-                  <a:spcPts val="0"/>
-                </a:spcAft>
-                <a:buClr>
-                  <a:srgbClr val="00A9C5"/>
-                </a:buClr>
-                <a:buSzPct val="80000"/>
-              </a:pPr>
-              <a:endParaRPr lang="fr-FR" sz="1600" kern="0" dirty="0" smtClean="0">
-                <a:solidFill>
-                  <a:schemeClr val="bg1"/>
-                </a:solidFill>
-                <a:latin typeface="+mj-lt"/>
-              </a:endParaRPr>
-            </a:p>
-          </p:txBody>
-        </p:sp>
-        <p:sp>
-          <p:nvSpPr>
-            <p:cNvPr id="21" name="Rectangle à coins arrondis 20"/>
-            <p:cNvSpPr/>
-            <p:nvPr/>
-          </p:nvSpPr>
-          <p:spPr>
-            <a:xfrm>
-              <a:off x="2248814" y="2389051"/>
-              <a:ext cx="359997" cy="359997"/>
-            </a:xfrm>
-            <a:prstGeom prst="roundRect">
-              <a:avLst/>
-            </a:prstGeom>
-            <a:solidFill>
-              <a:srgbClr val="FFFF00"/>
-            </a:solidFill>
-            <a:ln w="38100" cmpd="sng">
-              <a:solidFill>
-                <a:schemeClr val="tx1"/>
-              </a:solidFill>
-            </a:ln>
-          </p:spPr>
-          <p:txBody>
-            <a:bodyPr rtlCol="0" anchor="ctr">
-              <a:noAutofit/>
-            </a:bodyPr>
-            <a:lstStyle/>
-            <a:p>
-              <a:pPr algn="ctr" eaLnBrk="1" hangingPunct="1">
-                <a:spcBef>
-                  <a:spcPts val="384"/>
-                </a:spcBef>
-                <a:spcAft>
-                  <a:spcPts val="0"/>
-                </a:spcAft>
-                <a:buClr>
-                  <a:srgbClr val="00A9C5"/>
-                </a:buClr>
-                <a:buSzPct val="80000"/>
-              </a:pPr>
-              <a:endParaRPr lang="fr-FR" sz="1600" kern="0" dirty="0" smtClean="0">
-                <a:solidFill>
-                  <a:schemeClr val="bg1"/>
-                </a:solidFill>
-                <a:latin typeface="+mj-lt"/>
-              </a:endParaRPr>
-            </a:p>
-          </p:txBody>
-        </p:sp>
-        <p:sp>
-          <p:nvSpPr>
-            <p:cNvPr id="22" name="Rectangle à coins arrondis 21"/>
-            <p:cNvSpPr/>
-            <p:nvPr/>
-          </p:nvSpPr>
-          <p:spPr>
-            <a:xfrm>
-              <a:off x="3617276" y="2389051"/>
-              <a:ext cx="359997" cy="359997"/>
-            </a:xfrm>
-            <a:prstGeom prst="roundRect">
-              <a:avLst/>
-            </a:prstGeom>
-            <a:solidFill>
-              <a:srgbClr val="71B84E"/>
-            </a:solidFill>
-            <a:ln w="38100" cmpd="sng">
-              <a:solidFill>
-                <a:schemeClr val="tx1"/>
-              </a:solidFill>
-            </a:ln>
-          </p:spPr>
-          <p:txBody>
-            <a:bodyPr rtlCol="0" anchor="ctr">
-              <a:noAutofit/>
-            </a:bodyPr>
-            <a:lstStyle/>
-            <a:p>
-              <a:pPr algn="ctr" eaLnBrk="1" hangingPunct="1">
-                <a:spcBef>
-                  <a:spcPts val="384"/>
-                </a:spcBef>
-                <a:spcAft>
-                  <a:spcPts val="0"/>
-                </a:spcAft>
-                <a:buClr>
-                  <a:srgbClr val="00A9C5"/>
-                </a:buClr>
-                <a:buSzPct val="80000"/>
-              </a:pPr>
-              <a:endParaRPr lang="fr-FR" sz="1600" kern="0" dirty="0" smtClean="0">
-                <a:solidFill>
-                  <a:schemeClr val="bg1"/>
-                </a:solidFill>
-                <a:latin typeface="+mj-lt"/>
-              </a:endParaRPr>
-            </a:p>
-          </p:txBody>
-        </p:sp>
-        <p:sp>
-          <p:nvSpPr>
-            <p:cNvPr id="23" name="Rectangle à coins arrondis 22"/>
-            <p:cNvSpPr/>
-            <p:nvPr/>
-          </p:nvSpPr>
-          <p:spPr>
-            <a:xfrm>
-              <a:off x="3161122" y="2389051"/>
-              <a:ext cx="359997" cy="359997"/>
-            </a:xfrm>
-            <a:prstGeom prst="roundRect">
-              <a:avLst/>
-            </a:prstGeom>
-            <a:solidFill>
-              <a:srgbClr val="71B84E"/>
-            </a:solidFill>
-            <a:ln w="38100" cmpd="sng">
-              <a:solidFill>
-                <a:schemeClr val="tx1"/>
-              </a:solidFill>
-            </a:ln>
-          </p:spPr>
-          <p:txBody>
-            <a:bodyPr rtlCol="0" anchor="ctr">
-              <a:noAutofit/>
-            </a:bodyPr>
-            <a:lstStyle/>
-            <a:p>
-              <a:pPr algn="ctr" eaLnBrk="1" hangingPunct="1">
-                <a:spcBef>
-                  <a:spcPts val="384"/>
-                </a:spcBef>
-                <a:spcAft>
-                  <a:spcPts val="0"/>
-                </a:spcAft>
-                <a:buClr>
-                  <a:srgbClr val="00A9C5"/>
-                </a:buClr>
-                <a:buSzPct val="80000"/>
-              </a:pPr>
-              <a:endParaRPr lang="fr-FR" sz="1600" kern="0" dirty="0" smtClean="0">
-                <a:solidFill>
-                  <a:schemeClr val="bg1"/>
-                </a:solidFill>
-                <a:latin typeface="+mj-lt"/>
-              </a:endParaRPr>
-            </a:p>
-          </p:txBody>
-        </p:sp>
-        <p:sp>
-          <p:nvSpPr>
-            <p:cNvPr id="24" name="Rectangle à coins arrondis 23"/>
-            <p:cNvSpPr/>
-            <p:nvPr/>
-          </p:nvSpPr>
-          <p:spPr>
-            <a:xfrm>
-              <a:off x="4529584" y="2389051"/>
-              <a:ext cx="359997" cy="359997"/>
-            </a:xfrm>
-            <a:prstGeom prst="roundRect">
-              <a:avLst/>
-            </a:prstGeom>
-            <a:solidFill>
-              <a:srgbClr val="71B84E"/>
-            </a:solidFill>
-            <a:ln w="38100" cmpd="sng">
-              <a:solidFill>
-                <a:schemeClr val="tx1"/>
-              </a:solidFill>
-            </a:ln>
-          </p:spPr>
-          <p:txBody>
-            <a:bodyPr rtlCol="0" anchor="ctr">
-              <a:noAutofit/>
-            </a:bodyPr>
-            <a:lstStyle/>
-            <a:p>
-              <a:pPr algn="ctr" eaLnBrk="1" hangingPunct="1">
-                <a:spcBef>
-                  <a:spcPts val="384"/>
-                </a:spcBef>
-                <a:spcAft>
-                  <a:spcPts val="0"/>
-                </a:spcAft>
-                <a:buClr>
-                  <a:srgbClr val="00A9C5"/>
-                </a:buClr>
-                <a:buSzPct val="80000"/>
-              </a:pPr>
-              <a:endParaRPr lang="fr-FR" sz="1600" kern="0" dirty="0" smtClean="0">
-                <a:solidFill>
-                  <a:schemeClr val="bg1"/>
-                </a:solidFill>
-                <a:latin typeface="+mj-lt"/>
-              </a:endParaRPr>
-            </a:p>
-          </p:txBody>
-        </p:sp>
-        <p:sp>
-          <p:nvSpPr>
-            <p:cNvPr id="25" name="Rectangle à coins arrondis 24"/>
-            <p:cNvSpPr/>
-            <p:nvPr/>
-          </p:nvSpPr>
-          <p:spPr>
-            <a:xfrm>
-              <a:off x="4073430" y="2389051"/>
-              <a:ext cx="359997" cy="359997"/>
-            </a:xfrm>
-            <a:prstGeom prst="roundRect">
-              <a:avLst/>
-            </a:prstGeom>
-            <a:solidFill>
-              <a:srgbClr val="71B84E"/>
-            </a:solidFill>
-            <a:ln w="38100" cmpd="sng">
-              <a:solidFill>
-                <a:schemeClr val="tx1"/>
-              </a:solidFill>
-            </a:ln>
-          </p:spPr>
-          <p:txBody>
-            <a:bodyPr rtlCol="0" anchor="ctr">
-              <a:noAutofit/>
-            </a:bodyPr>
-            <a:lstStyle/>
-            <a:p>
-              <a:pPr algn="ctr" eaLnBrk="1" hangingPunct="1">
-                <a:spcBef>
-                  <a:spcPts val="384"/>
-                </a:spcBef>
-                <a:spcAft>
-                  <a:spcPts val="0"/>
-                </a:spcAft>
-                <a:buClr>
-                  <a:srgbClr val="00A9C5"/>
-                </a:buClr>
-                <a:buSzPct val="80000"/>
-              </a:pPr>
-              <a:endParaRPr lang="fr-FR" sz="1600" kern="0" dirty="0" smtClean="0">
-                <a:solidFill>
-                  <a:schemeClr val="bg1"/>
-                </a:solidFill>
-                <a:latin typeface="+mj-lt"/>
-              </a:endParaRPr>
-            </a:p>
-          </p:txBody>
-        </p:sp>
-        <p:sp>
-          <p:nvSpPr>
-            <p:cNvPr id="26" name="Rectangle à coins arrondis 25"/>
-            <p:cNvSpPr/>
-            <p:nvPr/>
-          </p:nvSpPr>
-          <p:spPr>
-            <a:xfrm>
-              <a:off x="4985738" y="2389051"/>
-              <a:ext cx="359997" cy="359997"/>
-            </a:xfrm>
-            <a:prstGeom prst="roundRect">
-              <a:avLst/>
-            </a:prstGeom>
-            <a:solidFill>
-              <a:srgbClr val="FF6600"/>
-            </a:solidFill>
-            <a:ln w="38100" cmpd="sng">
-              <a:solidFill>
-                <a:schemeClr val="tx1"/>
-              </a:solidFill>
-            </a:ln>
-          </p:spPr>
-          <p:txBody>
-            <a:bodyPr rtlCol="0" anchor="ctr">
-              <a:noAutofit/>
-            </a:bodyPr>
-            <a:lstStyle/>
-            <a:p>
-              <a:pPr algn="ctr" eaLnBrk="1" hangingPunct="1">
-                <a:spcBef>
-                  <a:spcPts val="384"/>
-                </a:spcBef>
-                <a:spcAft>
-                  <a:spcPts val="0"/>
-                </a:spcAft>
-                <a:buClr>
-                  <a:srgbClr val="00A9C5"/>
-                </a:buClr>
-                <a:buSzPct val="80000"/>
-              </a:pPr>
-              <a:endParaRPr lang="fr-FR" sz="1600" kern="0" dirty="0" smtClean="0">
-                <a:solidFill>
-                  <a:schemeClr val="bg1"/>
-                </a:solidFill>
-                <a:latin typeface="+mj-lt"/>
-              </a:endParaRPr>
-            </a:p>
-          </p:txBody>
-        </p:sp>
-        <p:sp>
-          <p:nvSpPr>
-            <p:cNvPr id="27" name="Rectangle à coins arrondis 26"/>
-            <p:cNvSpPr/>
-            <p:nvPr/>
-          </p:nvSpPr>
-          <p:spPr>
-            <a:xfrm>
-              <a:off x="5898046" y="2389051"/>
-              <a:ext cx="359997" cy="359997"/>
-            </a:xfrm>
-            <a:prstGeom prst="roundRect">
-              <a:avLst/>
-            </a:prstGeom>
-            <a:solidFill>
-              <a:srgbClr val="FF6600"/>
-            </a:solidFill>
-            <a:ln w="38100" cmpd="sng">
-              <a:solidFill>
-                <a:schemeClr val="tx1"/>
-              </a:solidFill>
-            </a:ln>
-          </p:spPr>
-          <p:txBody>
-            <a:bodyPr rtlCol="0" anchor="ctr">
-              <a:noAutofit/>
-            </a:bodyPr>
-            <a:lstStyle/>
-            <a:p>
-              <a:pPr algn="ctr" eaLnBrk="1" hangingPunct="1">
-                <a:spcBef>
-                  <a:spcPts val="384"/>
-                </a:spcBef>
-                <a:spcAft>
-                  <a:spcPts val="0"/>
-                </a:spcAft>
-                <a:buClr>
-                  <a:srgbClr val="00A9C5"/>
-                </a:buClr>
-                <a:buSzPct val="80000"/>
-              </a:pPr>
-              <a:endParaRPr lang="fr-FR" sz="1600" kern="0" dirty="0" smtClean="0">
-                <a:solidFill>
-                  <a:schemeClr val="bg1"/>
-                </a:solidFill>
-                <a:latin typeface="+mj-lt"/>
-              </a:endParaRPr>
-            </a:p>
-          </p:txBody>
-        </p:sp>
-        <p:sp>
-          <p:nvSpPr>
-            <p:cNvPr id="28" name="Rectangle à coins arrondis 27"/>
-            <p:cNvSpPr/>
-            <p:nvPr/>
-          </p:nvSpPr>
-          <p:spPr>
-            <a:xfrm>
-              <a:off x="5441892" y="2389051"/>
-              <a:ext cx="359997" cy="359997"/>
-            </a:xfrm>
-            <a:prstGeom prst="roundRect">
-              <a:avLst/>
-            </a:prstGeom>
-            <a:solidFill>
-              <a:srgbClr val="FF6600"/>
-            </a:solidFill>
-            <a:ln w="38100" cmpd="sng">
-              <a:solidFill>
-                <a:schemeClr val="tx1"/>
-              </a:solidFill>
-            </a:ln>
-          </p:spPr>
-          <p:txBody>
-            <a:bodyPr rtlCol="0" anchor="ctr">
-              <a:noAutofit/>
-            </a:bodyPr>
-            <a:lstStyle/>
-            <a:p>
-              <a:pPr algn="ctr" eaLnBrk="1" hangingPunct="1">
-                <a:spcBef>
-                  <a:spcPts val="384"/>
-                </a:spcBef>
-                <a:spcAft>
-                  <a:spcPts val="0"/>
-                </a:spcAft>
-                <a:buClr>
-                  <a:srgbClr val="00A9C5"/>
-                </a:buClr>
-                <a:buSzPct val="80000"/>
-              </a:pPr>
-              <a:endParaRPr lang="fr-FR" sz="1600" kern="0" dirty="0" smtClean="0">
-                <a:solidFill>
-                  <a:schemeClr val="bg1"/>
-                </a:solidFill>
-                <a:latin typeface="+mj-lt"/>
-              </a:endParaRPr>
-            </a:p>
-          </p:txBody>
-        </p:sp>
-        <p:sp>
-          <p:nvSpPr>
-            <p:cNvPr id="41" name="ZoneTexte 40"/>
-            <p:cNvSpPr txBox="1"/>
-            <p:nvPr/>
-          </p:nvSpPr>
-          <p:spPr>
-            <a:xfrm>
-              <a:off x="6412719" y="2395743"/>
-              <a:ext cx="1394776" cy="359997"/>
-            </a:xfrm>
-            <a:prstGeom prst="rect">
-              <a:avLst/>
-            </a:prstGeom>
-            <a:noFill/>
-          </p:spPr>
-          <p:txBody>
-            <a:bodyPr wrap="square" rtlCol="0" anchor="ctr">
-              <a:noAutofit/>
-            </a:bodyPr>
-            <a:lstStyle/>
-            <a:p>
-              <a:pPr eaLnBrk="1" hangingPunct="1">
-                <a:spcBef>
-                  <a:spcPts val="384"/>
-                </a:spcBef>
-                <a:spcAft>
-                  <a:spcPts val="0"/>
-                </a:spcAft>
-                <a:buClr>
-                  <a:srgbClr val="00A9C5"/>
-                </a:buClr>
-                <a:buSzPct val="80000"/>
-              </a:pPr>
-              <a:r>
-                <a:rPr lang="fr-FR" sz="1600" dirty="0" smtClean="0">
-                  <a:solidFill>
-                    <a:srgbClr val="4C4C4C"/>
-                  </a:solidFill>
-                  <a:latin typeface="+mj-lt"/>
-                  <a:cs typeface="Helvetica"/>
-                </a:rPr>
-                <a:t>Version N</a:t>
-              </a:r>
-            </a:p>
-          </p:txBody>
-        </p:sp>
-      </p:grpSp>
-      <p:grpSp>
-        <p:nvGrpSpPr>
-          <p:cNvPr id="71" name="Grouper 70"/>
-          <p:cNvGrpSpPr/>
-          <p:nvPr/>
-        </p:nvGrpSpPr>
-        <p:grpSpPr>
-          <a:xfrm>
-            <a:off x="4073430" y="2917370"/>
-            <a:ext cx="3734065" cy="366689"/>
-            <a:chOff x="4073430" y="2917370"/>
-            <a:chExt cx="3734065" cy="366689"/>
-          </a:xfrm>
-        </p:grpSpPr>
-        <p:sp>
-          <p:nvSpPr>
-            <p:cNvPr id="35" name="Rectangle à coins arrondis 34"/>
-            <p:cNvSpPr/>
-            <p:nvPr/>
-          </p:nvSpPr>
-          <p:spPr>
-            <a:xfrm>
-              <a:off x="4529584" y="2917370"/>
-              <a:ext cx="359997" cy="359997"/>
-            </a:xfrm>
-            <a:prstGeom prst="roundRect">
-              <a:avLst/>
-            </a:prstGeom>
-            <a:solidFill>
-              <a:srgbClr val="FFFF00"/>
-            </a:solidFill>
-            <a:ln w="38100" cmpd="sng">
-              <a:solidFill>
-                <a:schemeClr val="tx1"/>
-              </a:solidFill>
-            </a:ln>
-          </p:spPr>
-          <p:txBody>
-            <a:bodyPr rtlCol="0" anchor="ctr">
-              <a:noAutofit/>
-            </a:bodyPr>
-            <a:lstStyle/>
-            <a:p>
-              <a:pPr algn="ctr" eaLnBrk="1" hangingPunct="1">
-                <a:spcBef>
-                  <a:spcPts val="384"/>
-                </a:spcBef>
-                <a:spcAft>
-                  <a:spcPts val="0"/>
-                </a:spcAft>
-                <a:buClr>
-                  <a:srgbClr val="00A9C5"/>
-                </a:buClr>
-                <a:buSzPct val="80000"/>
-              </a:pPr>
-              <a:endParaRPr lang="fr-FR" sz="1600" kern="0" dirty="0" smtClean="0">
-                <a:solidFill>
-                  <a:schemeClr val="bg1"/>
-                </a:solidFill>
-                <a:latin typeface="+mj-lt"/>
-              </a:endParaRPr>
-            </a:p>
-          </p:txBody>
-        </p:sp>
-        <p:sp>
-          <p:nvSpPr>
-            <p:cNvPr id="36" name="Rectangle à coins arrondis 35"/>
-            <p:cNvSpPr/>
-            <p:nvPr/>
-          </p:nvSpPr>
-          <p:spPr>
-            <a:xfrm>
-              <a:off x="4073430" y="2917370"/>
-              <a:ext cx="359997" cy="359997"/>
-            </a:xfrm>
-            <a:prstGeom prst="roundRect">
-              <a:avLst/>
-            </a:prstGeom>
-            <a:solidFill>
-              <a:srgbClr val="FFFF00"/>
-            </a:solidFill>
-            <a:ln w="38100" cmpd="sng">
-              <a:solidFill>
-                <a:schemeClr val="tx1"/>
-              </a:solidFill>
-            </a:ln>
-          </p:spPr>
-          <p:txBody>
-            <a:bodyPr rtlCol="0" anchor="ctr">
-              <a:noAutofit/>
-            </a:bodyPr>
-            <a:lstStyle/>
-            <a:p>
-              <a:pPr algn="ctr" eaLnBrk="1" hangingPunct="1">
-                <a:spcBef>
-                  <a:spcPts val="384"/>
-                </a:spcBef>
-                <a:spcAft>
-                  <a:spcPts val="0"/>
-                </a:spcAft>
-                <a:buClr>
-                  <a:srgbClr val="00A9C5"/>
-                </a:buClr>
-                <a:buSzPct val="80000"/>
-              </a:pPr>
-              <a:endParaRPr lang="fr-FR" sz="1600" kern="0" dirty="0" smtClean="0">
-                <a:solidFill>
-                  <a:schemeClr val="bg1"/>
-                </a:solidFill>
-                <a:latin typeface="+mj-lt"/>
-              </a:endParaRPr>
-            </a:p>
-          </p:txBody>
-        </p:sp>
-        <p:sp>
-          <p:nvSpPr>
-            <p:cNvPr id="37" name="Rectangle à coins arrondis 36"/>
-            <p:cNvSpPr/>
-            <p:nvPr/>
-          </p:nvSpPr>
-          <p:spPr>
-            <a:xfrm>
-              <a:off x="4985738" y="2917370"/>
-              <a:ext cx="359997" cy="359997"/>
-            </a:xfrm>
-            <a:prstGeom prst="roundRect">
-              <a:avLst/>
-            </a:prstGeom>
-            <a:solidFill>
-              <a:srgbClr val="71B84E"/>
-            </a:solidFill>
-            <a:ln w="38100" cmpd="sng">
-              <a:solidFill>
-                <a:schemeClr val="tx1"/>
-              </a:solidFill>
-            </a:ln>
-          </p:spPr>
-          <p:txBody>
-            <a:bodyPr rtlCol="0" anchor="ctr">
-              <a:noAutofit/>
-            </a:bodyPr>
-            <a:lstStyle/>
-            <a:p>
-              <a:pPr algn="ctr" eaLnBrk="1" hangingPunct="1">
-                <a:spcBef>
-                  <a:spcPts val="384"/>
-                </a:spcBef>
-                <a:spcAft>
-                  <a:spcPts val="0"/>
-                </a:spcAft>
-                <a:buClr>
-                  <a:srgbClr val="00A9C5"/>
-                </a:buClr>
-                <a:buSzPct val="80000"/>
-              </a:pPr>
-              <a:endParaRPr lang="fr-FR" sz="1600" kern="0" dirty="0" smtClean="0">
-                <a:solidFill>
-                  <a:schemeClr val="bg1"/>
-                </a:solidFill>
-                <a:latin typeface="+mj-lt"/>
-              </a:endParaRPr>
-            </a:p>
-          </p:txBody>
-        </p:sp>
-        <p:sp>
-          <p:nvSpPr>
-            <p:cNvPr id="38" name="Rectangle à coins arrondis 37"/>
-            <p:cNvSpPr/>
-            <p:nvPr/>
-          </p:nvSpPr>
-          <p:spPr>
-            <a:xfrm>
-              <a:off x="5898046" y="2917370"/>
-              <a:ext cx="359997" cy="359997"/>
-            </a:xfrm>
-            <a:prstGeom prst="roundRect">
-              <a:avLst/>
-            </a:prstGeom>
-            <a:solidFill>
-              <a:srgbClr val="71B84E"/>
-            </a:solidFill>
-            <a:ln w="38100" cmpd="sng">
-              <a:solidFill>
-                <a:schemeClr val="tx1"/>
-              </a:solidFill>
-            </a:ln>
-          </p:spPr>
-          <p:txBody>
-            <a:bodyPr rtlCol="0" anchor="ctr">
-              <a:noAutofit/>
-            </a:bodyPr>
-            <a:lstStyle/>
-            <a:p>
-              <a:pPr algn="ctr" eaLnBrk="1" hangingPunct="1">
-                <a:spcBef>
-                  <a:spcPts val="384"/>
-                </a:spcBef>
-                <a:spcAft>
-                  <a:spcPts val="0"/>
-                </a:spcAft>
-                <a:buClr>
-                  <a:srgbClr val="00A9C5"/>
-                </a:buClr>
-                <a:buSzPct val="80000"/>
-              </a:pPr>
-              <a:endParaRPr lang="fr-FR" sz="1600" kern="0" dirty="0" smtClean="0">
-                <a:solidFill>
-                  <a:schemeClr val="bg1"/>
-                </a:solidFill>
-                <a:latin typeface="+mj-lt"/>
-              </a:endParaRPr>
-            </a:p>
-          </p:txBody>
-        </p:sp>
-        <p:sp>
-          <p:nvSpPr>
-            <p:cNvPr id="39" name="Rectangle à coins arrondis 38"/>
-            <p:cNvSpPr/>
-            <p:nvPr/>
-          </p:nvSpPr>
-          <p:spPr>
-            <a:xfrm>
-              <a:off x="5441892" y="2917370"/>
-              <a:ext cx="359997" cy="359997"/>
-            </a:xfrm>
-            <a:prstGeom prst="roundRect">
-              <a:avLst/>
-            </a:prstGeom>
-            <a:solidFill>
-              <a:srgbClr val="71B84E"/>
-            </a:solidFill>
-            <a:ln w="38100" cmpd="sng">
-              <a:solidFill>
-                <a:schemeClr val="tx1"/>
-              </a:solidFill>
-            </a:ln>
-          </p:spPr>
-          <p:txBody>
-            <a:bodyPr rtlCol="0" anchor="ctr">
-              <a:noAutofit/>
-            </a:bodyPr>
-            <a:lstStyle/>
-            <a:p>
-              <a:pPr algn="ctr" eaLnBrk="1" hangingPunct="1">
-                <a:spcBef>
-                  <a:spcPts val="384"/>
-                </a:spcBef>
-                <a:spcAft>
-                  <a:spcPts val="0"/>
-                </a:spcAft>
-                <a:buClr>
-                  <a:srgbClr val="00A9C5"/>
-                </a:buClr>
-                <a:buSzPct val="80000"/>
-              </a:pPr>
-              <a:endParaRPr lang="fr-FR" sz="1600" kern="0" dirty="0" smtClean="0">
-                <a:solidFill>
-                  <a:schemeClr val="bg1"/>
-                </a:solidFill>
-                <a:latin typeface="+mj-lt"/>
-              </a:endParaRPr>
-            </a:p>
-          </p:txBody>
-        </p:sp>
-        <p:sp>
-          <p:nvSpPr>
-            <p:cNvPr id="43" name="ZoneTexte 42"/>
-            <p:cNvSpPr txBox="1"/>
-            <p:nvPr/>
-          </p:nvSpPr>
-          <p:spPr>
-            <a:xfrm>
-              <a:off x="6412719" y="2924062"/>
-              <a:ext cx="1394776" cy="359997"/>
-            </a:xfrm>
-            <a:prstGeom prst="rect">
-              <a:avLst/>
-            </a:prstGeom>
-            <a:noFill/>
-          </p:spPr>
-          <p:txBody>
-            <a:bodyPr wrap="square" rtlCol="0" anchor="ctr">
-              <a:noAutofit/>
-            </a:bodyPr>
-            <a:lstStyle/>
-            <a:p>
-              <a:pPr eaLnBrk="1" hangingPunct="1">
-                <a:spcBef>
-                  <a:spcPts val="384"/>
-                </a:spcBef>
-                <a:spcAft>
-                  <a:spcPts val="0"/>
-                </a:spcAft>
-                <a:buClr>
-                  <a:srgbClr val="00A9C5"/>
-                </a:buClr>
-                <a:buSzPct val="80000"/>
-              </a:pPr>
-              <a:r>
-                <a:rPr lang="fr-FR" sz="1600" dirty="0" smtClean="0">
-                  <a:solidFill>
-                    <a:srgbClr val="4C4C4C"/>
-                  </a:solidFill>
-                  <a:latin typeface="+mj-lt"/>
-                  <a:cs typeface="Helvetica"/>
-                </a:rPr>
-                <a:t>Version N+1</a:t>
-              </a:r>
-            </a:p>
-          </p:txBody>
-        </p:sp>
-      </p:grpSp>
+                <a:cs typeface="Helvetica"/>
+              </a:rPr>
+              <a:t>Version N+1</a:t>
+            </a:r>
+          </a:p>
+        </p:txBody>
+      </p:sp>
       <p:cxnSp>
         <p:nvCxnSpPr>
           <p:cNvPr id="57" name="Connecteur droit avec flèche 56"/>
@@ -27538,7 +27502,7 @@
         </p:nvCxnSpPr>
         <p:spPr bwMode="auto">
           <a:xfrm>
-            <a:off x="758231" y="3391472"/>
+            <a:off x="758231" y="4190749"/>
             <a:ext cx="333848" cy="0"/>
           </a:xfrm>
           <a:prstGeom prst="straightConnector1">
@@ -27570,7 +27534,7 @@
         </p:nvSpPr>
         <p:spPr>
           <a:xfrm>
-            <a:off x="1111362" y="3191319"/>
+            <a:off x="1111362" y="3990596"/>
             <a:ext cx="1958389" cy="359997"/>
           </a:xfrm>
           <a:prstGeom prst="rect">
@@ -27617,7 +27581,7 @@
         </p:nvCxnSpPr>
         <p:spPr bwMode="auto">
           <a:xfrm>
-            <a:off x="752365" y="3903869"/>
+            <a:off x="752365" y="4703146"/>
             <a:ext cx="333848" cy="0"/>
           </a:xfrm>
           <a:prstGeom prst="straightConnector1">
@@ -27646,7 +27610,7 @@
         </p:nvSpPr>
         <p:spPr>
           <a:xfrm>
-            <a:off x="1105495" y="3703716"/>
+            <a:off x="1105495" y="4502993"/>
             <a:ext cx="3198945" cy="359997"/>
           </a:xfrm>
           <a:prstGeom prst="rect">
@@ -27712,6 +27676,89 @@
               </a:rPr>
               <a:t>(une version sur deux)</a:t>
             </a:r>
+          </a:p>
+        </p:txBody>
+      </p:sp>
+      <p:cxnSp>
+        <p:nvCxnSpPr>
+          <p:cNvPr id="50" name="Connecteur droit avec flèche 49"/>
+          <p:cNvCxnSpPr/>
+          <p:nvPr/>
+        </p:nvCxnSpPr>
+        <p:spPr bwMode="auto">
+          <a:xfrm>
+            <a:off x="2879224" y="3421248"/>
+            <a:ext cx="2286513" cy="0"/>
+          </a:xfrm>
+          <a:prstGeom prst="straightConnector1">
+            <a:avLst/>
+          </a:prstGeom>
+          <a:solidFill>
+            <a:schemeClr val="accent1"/>
+          </a:solidFill>
+          <a:ln w="38100" cap="flat" cmpd="sng" algn="ctr">
+            <a:solidFill>
+              <a:schemeClr val="tx1"/>
+            </a:solidFill>
+            <a:prstDash val="solid"/>
+            <a:round/>
+            <a:headEnd type="arrow" w="med" len="med"/>
+            <a:tailEnd type="arrow"/>
+          </a:ln>
+          <a:effectLst/>
+        </p:spPr>
+      </p:cxnSp>
+      <p:sp>
+        <p:nvSpPr>
+          <p:cNvPr id="53" name="ZoneTexte 52"/>
+          <p:cNvSpPr txBox="1"/>
+          <p:nvPr/>
+        </p:nvSpPr>
+        <p:spPr>
+          <a:xfrm>
+            <a:off x="2879224" y="3398114"/>
+            <a:ext cx="2286513" cy="359997"/>
+          </a:xfrm>
+          <a:prstGeom prst="rect">
+            <a:avLst/>
+          </a:prstGeom>
+          <a:noFill/>
+        </p:spPr>
+        <p:txBody>
+          <a:bodyPr wrap="square" rtlCol="0" anchor="ctr">
+            <a:noAutofit/>
+          </a:bodyPr>
+          <a:lstStyle/>
+          <a:p>
+            <a:pPr algn="ctr" eaLnBrk="1" hangingPunct="1">
+              <a:spcBef>
+                <a:spcPts val="384"/>
+              </a:spcBef>
+              <a:spcAft>
+                <a:spcPts val="0"/>
+              </a:spcAft>
+              <a:buClr>
+                <a:srgbClr val="00A9C5"/>
+              </a:buClr>
+              <a:buSzPct val="80000"/>
+            </a:pPr>
+            <a:r>
+              <a:rPr lang="fr-FR" sz="1600" dirty="0" smtClean="0">
+                <a:solidFill>
+                  <a:srgbClr val="4C4C4C"/>
+                </a:solidFill>
+                <a:latin typeface="+mj-lt"/>
+                <a:cs typeface="Helvetica"/>
+              </a:rPr>
+              <a:t>Créneau de migration</a:t>
+            </a:r>
+            <a:endParaRPr lang="fr-FR" sz="1600" dirty="0" smtClean="0">
+              <a:solidFill>
+                <a:srgbClr val="4C4C4C"/>
+              </a:solidFill>
+              <a:latin typeface="+mj-lt"/>
+              <a:cs typeface="Helvetica"/>
+            </a:endParaRPr>
           </a:p>
         </p:txBody>
       </p:sp>
@@ -27797,9 +27844,6 @@
               </a:rPr>
               <a:t>Zone 1</a:t>
             </a:r>
-            <a:endParaRPr lang="fr-FR" sz="1600" kern="0" dirty="0" smtClean="0">
-              <a:latin typeface="+mn-lt"/>
-            </a:endParaRPr>
           </a:p>
         </p:txBody>
       </p:sp>
@@ -27857,12 +27901,6 @@
               </a:rPr>
               <a:t>App 1</a:t>
             </a:r>
-            <a:endParaRPr lang="fr-FR" sz="1600" kern="0" dirty="0" smtClean="0">
-              <a:solidFill>
-                <a:schemeClr val="bg1"/>
-              </a:solidFill>
-              <a:latin typeface="+mn-lt"/>
-            </a:endParaRPr>
           </a:p>
         </p:txBody>
       </p:sp>
@@ -27920,12 +27958,6 @@
               </a:rPr>
               <a:t>App 2</a:t>
             </a:r>
-            <a:endParaRPr lang="fr-FR" sz="1600" kern="0" dirty="0" smtClean="0">
-              <a:solidFill>
-                <a:schemeClr val="bg1"/>
-              </a:solidFill>
-              <a:latin typeface="+mn-lt"/>
-            </a:endParaRPr>
           </a:p>
         </p:txBody>
       </p:sp>
@@ -27983,12 +28015,6 @@
               </a:rPr>
               <a:t>App 3</a:t>
             </a:r>
-            <a:endParaRPr lang="fr-FR" sz="1600" kern="0" dirty="0" smtClean="0">
-              <a:solidFill>
-                <a:schemeClr val="bg1"/>
-              </a:solidFill>
-              <a:latin typeface="+mn-lt"/>
-            </a:endParaRPr>
           </a:p>
         </p:txBody>
       </p:sp>
@@ -28044,9 +28070,6 @@
               </a:rPr>
               <a:t>Zone 2</a:t>
             </a:r>
-            <a:endParaRPr lang="fr-FR" sz="1600" kern="0" dirty="0" smtClean="0">
-              <a:latin typeface="+mn-lt"/>
-            </a:endParaRPr>
           </a:p>
         </p:txBody>
       </p:sp>
@@ -28104,12 +28127,6 @@
               </a:rPr>
               <a:t>App 4</a:t>
             </a:r>
-            <a:endParaRPr lang="fr-FR" sz="1600" kern="0" dirty="0" smtClean="0">
-              <a:solidFill>
-                <a:schemeClr val="bg1"/>
-              </a:solidFill>
-              <a:latin typeface="+mn-lt"/>
-            </a:endParaRPr>
           </a:p>
         </p:txBody>
       </p:sp>
@@ -28165,9 +28182,6 @@
               </a:rPr>
               <a:t>Zone 3</a:t>
             </a:r>
-            <a:endParaRPr lang="fr-FR" sz="1600" kern="0" dirty="0" smtClean="0">
-              <a:latin typeface="+mn-lt"/>
-            </a:endParaRPr>
           </a:p>
         </p:txBody>
       </p:sp>
@@ -28225,12 +28239,6 @@
               </a:rPr>
               <a:t>App 5</a:t>
             </a:r>
-            <a:endParaRPr lang="fr-FR" sz="1600" kern="0" dirty="0" smtClean="0">
-              <a:solidFill>
-                <a:schemeClr val="bg1"/>
-              </a:solidFill>
-              <a:latin typeface="+mn-lt"/>
-            </a:endParaRPr>
           </a:p>
         </p:txBody>
       </p:sp>
@@ -28288,12 +28296,6 @@
               </a:rPr>
               <a:t>App 6</a:t>
             </a:r>
-            <a:endParaRPr lang="fr-FR" sz="1600" kern="0" dirty="0" smtClean="0">
-              <a:solidFill>
-                <a:schemeClr val="bg1"/>
-              </a:solidFill>
-              <a:latin typeface="+mn-lt"/>
-            </a:endParaRPr>
           </a:p>
         </p:txBody>
       </p:sp>
@@ -28589,13 +28591,6 @@
                   </a:rPr>
                   <a:t>Implémentation</a:t>
                 </a:r>
-                <a:endParaRPr lang="fr-FR" sz="1600" dirty="0" smtClean="0">
-                  <a:solidFill>
-                    <a:srgbClr val="4C4C4C"/>
-                  </a:solidFill>
-                  <a:latin typeface="+mj-lt"/>
-                  <a:cs typeface="Helvetica"/>
-                </a:endParaRPr>
               </a:p>
             </p:txBody>
           </p:sp>
@@ -28687,13 +28682,6 @@
                   </a:rPr>
                   <a:t>API interne</a:t>
                 </a:r>
-                <a:endParaRPr lang="fr-FR" sz="1600" dirty="0" smtClean="0">
-                  <a:solidFill>
-                    <a:srgbClr val="4C4C4C"/>
-                  </a:solidFill>
-                  <a:latin typeface="+mj-lt"/>
-                  <a:cs typeface="Helvetica"/>
-                </a:endParaRPr>
               </a:p>
             </p:txBody>
           </p:sp>
@@ -28785,13 +28773,6 @@
                   </a:rPr>
                   <a:t>API externe</a:t>
                 </a:r>
-                <a:endParaRPr lang="fr-FR" sz="1600" dirty="0" smtClean="0">
-                  <a:solidFill>
-                    <a:srgbClr val="4C4C4C"/>
-                  </a:solidFill>
-                  <a:latin typeface="+mj-lt"/>
-                  <a:cs typeface="Helvetica"/>
-                </a:endParaRPr>
               </a:p>
             </p:txBody>
           </p:sp>
@@ -28883,13 +28864,6 @@
                   </a:rPr>
                   <a:t>API Beta</a:t>
                 </a:r>
-                <a:endParaRPr lang="fr-FR" sz="1600" dirty="0" smtClean="0">
-                  <a:solidFill>
-                    <a:srgbClr val="4C4C4C"/>
-                  </a:solidFill>
-                  <a:latin typeface="+mj-lt"/>
-                  <a:cs typeface="Helvetica"/>
-                </a:endParaRPr>
               </a:p>
             </p:txBody>
           </p:sp>
